--- a/Diaporama Projet YOUR journey.pptx
+++ b/Diaporama Projet YOUR journey.pptx
@@ -6880,19 +6880,17 @@
       </p:sp>
       <p:pic>
         <p:nvPicPr>
-          <p:cNvPr id="4" name="Espace réservé du contenu 3">
+          <p:cNvPr id="6" name="Image 5">
             <a:extLst>
               <a:ext uri="{FF2B5EF4-FFF2-40B4-BE49-F238E27FC236}">
-                <a16:creationId xmlns:a16="http://schemas.microsoft.com/office/drawing/2014/main" id="{32EA5763-1EBC-4201-B0D4-B08ECF0FB8BA}"/>
+                <a16:creationId xmlns:a16="http://schemas.microsoft.com/office/drawing/2014/main" id="{D1E5170E-2E74-46AA-8583-CF86A2F55580}"/>
               </a:ext>
             </a:extLst>
           </p:cNvPr>
           <p:cNvPicPr>
-            <a:picLocks noGrp="1" noChangeAspect="1"/>
+            <a:picLocks noChangeAspect="1"/>
           </p:cNvPicPr>
-          <p:nvPr>
-            <p:ph idx="1"/>
-          </p:nvPr>
+          <p:nvPr/>
         </p:nvPicPr>
         <p:blipFill>
           <a:blip r:embed="rId2"/>
@@ -6902,8 +6900,8 @@
         </p:blipFill>
         <p:spPr>
           <a:xfrm>
-            <a:off x="3442448" y="1532160"/>
-            <a:ext cx="2796987" cy="5236728"/>
+            <a:off x="2649070" y="1286117"/>
+            <a:ext cx="3872753" cy="5366966"/>
           </a:xfrm>
           <a:prstGeom prst="rect">
             <a:avLst/>
@@ -7032,7 +7030,7 @@
         </p:blipFill>
         <p:spPr>
           <a:xfrm>
-            <a:off x="2691978" y="2845195"/>
+            <a:off x="2853343" y="3172084"/>
             <a:ext cx="9164405" cy="3510781"/>
           </a:xfrm>
           <a:prstGeom prst="rect">
@@ -7199,7 +7197,7 @@
                 <a:ea typeface="Calibri" panose="020F0502020204030204" pitchFamily="34" charset="0"/>
                 <a:cs typeface="Times New Roman" panose="02020603050405020304" pitchFamily="18" charset="0"/>
               </a:rPr>
-              <a:t>RECHERCHE :</a:t>
+              <a:t>Recherche d’informations</a:t>
             </a:r>
             <a:br>
               <a:rPr lang="fr-FR" sz="2000" dirty="0"/>
@@ -7213,38 +7211,32 @@
       </p:sp>
       <p:pic>
         <p:nvPicPr>
-          <p:cNvPr id="7" name="Image 6">
+          <p:cNvPr id="3" name="Image 2">
             <a:extLst>
               <a:ext uri="{FF2B5EF4-FFF2-40B4-BE49-F238E27FC236}">
-                <a16:creationId xmlns:a16="http://schemas.microsoft.com/office/drawing/2014/main" id="{0476DA56-03C3-4BF7-950D-415B2F760A56}"/>
+                <a16:creationId xmlns:a16="http://schemas.microsoft.com/office/drawing/2014/main" id="{43E98012-CE08-4494-B3E8-26E3E7DBFDE5}"/>
               </a:ext>
             </a:extLst>
           </p:cNvPr>
-          <p:cNvPicPr/>
+          <p:cNvPicPr>
+            <a:picLocks noChangeAspect="1"/>
+          </p:cNvPicPr>
           <p:nvPr/>
         </p:nvPicPr>
         <p:blipFill>
-          <a:blip r:embed="rId2">
-            <a:extLst>
-              <a:ext uri="{28A0092B-C50C-407E-A947-70E740481C1C}">
-                <a14:useLocalDpi xmlns:a14="http://schemas.microsoft.com/office/drawing/2010/main" val="0"/>
-              </a:ext>
-            </a:extLst>
-          </a:blip>
-          <a:srcRect/>
+          <a:blip r:embed="rId2"/>
           <a:stretch>
             <a:fillRect/>
           </a:stretch>
         </p:blipFill>
-        <p:spPr bwMode="auto">
+        <p:spPr>
           <a:xfrm>
-            <a:off x="1452282" y="2675964"/>
-            <a:ext cx="6320118" cy="3473544"/>
+            <a:off x="1139043" y="1930400"/>
+            <a:ext cx="8562023" cy="3878729"/>
           </a:xfrm>
           <a:prstGeom prst="rect">
             <a:avLst/>
           </a:prstGeom>
-          <a:noFill/>
         </p:spPr>
       </p:pic>
     </p:spTree>
@@ -7320,7 +7312,7 @@
                 <a:ea typeface="Calibri" panose="020F0502020204030204" pitchFamily="34" charset="0"/>
                 <a:cs typeface="Times New Roman" panose="02020603050405020304" pitchFamily="18" charset="0"/>
               </a:rPr>
-              <a:t>CONNEXION : </a:t>
+              <a:t>CONNEXION</a:t>
             </a:r>
             <a:endParaRPr lang="fr-FR" sz="2000" dirty="0">
               <a:solidFill>
@@ -7332,19 +7324,15 @@
       </p:sp>
       <p:pic>
         <p:nvPicPr>
-          <p:cNvPr id="4" name="Espace réservé du contenu 3">
+          <p:cNvPr id="9" name="Image 8">
             <a:extLst>
               <a:ext uri="{FF2B5EF4-FFF2-40B4-BE49-F238E27FC236}">
-                <a16:creationId xmlns:a16="http://schemas.microsoft.com/office/drawing/2014/main" id="{42A849DC-F9E2-4650-A3E6-CC304A5362E5}"/>
+                <a16:creationId xmlns:a16="http://schemas.microsoft.com/office/drawing/2014/main" id="{90BF522F-B2AD-411D-9C94-EDAC7BB22BE1}"/>
               </a:ext>
             </a:extLst>
           </p:cNvPr>
-          <p:cNvPicPr>
-            <a:picLocks noGrp="1"/>
-          </p:cNvPicPr>
-          <p:nvPr>
-            <p:ph idx="1"/>
-          </p:nvPr>
+          <p:cNvPicPr/>
+          <p:nvPr/>
         </p:nvPicPr>
         <p:blipFill>
           <a:blip r:embed="rId2">
@@ -7361,8 +7349,8 @@
         </p:blipFill>
         <p:spPr bwMode="auto">
           <a:xfrm>
-            <a:off x="1425389" y="1788458"/>
-            <a:ext cx="5768788" cy="4693023"/>
+            <a:off x="1404970" y="1930400"/>
+            <a:ext cx="7429747" cy="4921624"/>
           </a:xfrm>
           <a:prstGeom prst="rect">
             <a:avLst/>
@@ -7435,19 +7423,17 @@
       </p:sp>
       <p:pic>
         <p:nvPicPr>
-          <p:cNvPr id="4" name="Espace réservé du contenu 3">
+          <p:cNvPr id="6" name="Image 5">
             <a:extLst>
               <a:ext uri="{FF2B5EF4-FFF2-40B4-BE49-F238E27FC236}">
-                <a16:creationId xmlns:a16="http://schemas.microsoft.com/office/drawing/2014/main" id="{9414B487-8460-4D90-A7AF-2CF16BB75579}"/>
+                <a16:creationId xmlns:a16="http://schemas.microsoft.com/office/drawing/2014/main" id="{2D1C34E6-C922-4C07-A092-4E139A63B184}"/>
               </a:ext>
             </a:extLst>
           </p:cNvPr>
           <p:cNvPicPr>
-            <a:picLocks noGrp="1" noChangeAspect="1"/>
+            <a:picLocks noChangeAspect="1"/>
           </p:cNvPicPr>
-          <p:nvPr>
-            <p:ph idx="1"/>
-          </p:nvPr>
+          <p:nvPr/>
         </p:nvPicPr>
         <p:blipFill>
           <a:blip r:embed="rId2"/>
@@ -7457,8 +7443,8 @@
         </p:blipFill>
         <p:spPr>
           <a:xfrm>
-            <a:off x="820270" y="2009232"/>
-            <a:ext cx="7758953" cy="3905988"/>
+            <a:off x="354605" y="1528903"/>
+            <a:ext cx="10470295" cy="4544685"/>
           </a:xfrm>
           <a:prstGeom prst="rect">
             <a:avLst/>

--- a/Diaporama Projet YOUR journey.pptx
+++ b/Diaporama Projet YOUR journey.pptx
@@ -6,27 +6,27 @@
   </p:sldMasterIdLst>
   <p:sldIdLst>
     <p:sldId id="273" r:id="rId2"/>
-    <p:sldId id="267" r:id="rId3"/>
-    <p:sldId id="268" r:id="rId4"/>
-    <p:sldId id="269" r:id="rId5"/>
-    <p:sldId id="274" r:id="rId6"/>
-    <p:sldId id="275" r:id="rId7"/>
-    <p:sldId id="270" r:id="rId8"/>
+    <p:sldId id="286" r:id="rId3"/>
+    <p:sldId id="267" r:id="rId4"/>
+    <p:sldId id="268" r:id="rId5"/>
+    <p:sldId id="269" r:id="rId6"/>
+    <p:sldId id="274" r:id="rId7"/>
+    <p:sldId id="275" r:id="rId8"/>
     <p:sldId id="271" r:id="rId9"/>
-    <p:sldId id="276" r:id="rId10"/>
-    <p:sldId id="278" r:id="rId11"/>
-    <p:sldId id="272" r:id="rId12"/>
-    <p:sldId id="279" r:id="rId13"/>
-    <p:sldId id="280" r:id="rId14"/>
-    <p:sldId id="282" r:id="rId15"/>
-    <p:sldId id="283" r:id="rId16"/>
+    <p:sldId id="270" r:id="rId10"/>
+    <p:sldId id="276" r:id="rId11"/>
+    <p:sldId id="278" r:id="rId12"/>
+    <p:sldId id="272" r:id="rId13"/>
+    <p:sldId id="279" r:id="rId14"/>
+    <p:sldId id="280" r:id="rId15"/>
+    <p:sldId id="281" r:id="rId16"/>
     <p:sldId id="284" r:id="rId17"/>
     <p:sldId id="285" r:id="rId18"/>
-    <p:sldId id="281" r:id="rId19"/>
-    <p:sldId id="288" r:id="rId20"/>
-    <p:sldId id="290" r:id="rId21"/>
-    <p:sldId id="291" r:id="rId22"/>
-    <p:sldId id="286" r:id="rId23"/>
+    <p:sldId id="282" r:id="rId19"/>
+    <p:sldId id="283" r:id="rId20"/>
+    <p:sldId id="288" r:id="rId21"/>
+    <p:sldId id="290" r:id="rId22"/>
+    <p:sldId id="291" r:id="rId23"/>
     <p:sldId id="277" r:id="rId24"/>
   </p:sldIdLst>
   <p:sldSz cx="12192000" cy="6858000"/>
@@ -856,7 +856,7 @@
           <a:p>
             <a:fld id="{079FDD88-DC1F-45DB-B1FB-F5FEEC1AA1EF}" type="datetimeFigureOut">
               <a:rPr lang="fr-FR" smtClean="0"/>
-              <a:t>21/10/2024</a:t>
+              <a:t>22/10/2024</a:t>
             </a:fld>
             <a:endParaRPr lang="fr-FR"/>
           </a:p>
@@ -1107,7 +1107,7 @@
           <a:p>
             <a:fld id="{079FDD88-DC1F-45DB-B1FB-F5FEEC1AA1EF}" type="datetimeFigureOut">
               <a:rPr lang="fr-FR" smtClean="0"/>
-              <a:t>21/10/2024</a:t>
+              <a:t>22/10/2024</a:t>
             </a:fld>
             <a:endParaRPr lang="fr-FR"/>
           </a:p>
@@ -1421,7 +1421,7 @@
           <a:p>
             <a:fld id="{079FDD88-DC1F-45DB-B1FB-F5FEEC1AA1EF}" type="datetimeFigureOut">
               <a:rPr lang="fr-FR" smtClean="0"/>
-              <a:t>21/10/2024</a:t>
+              <a:t>22/10/2024</a:t>
             </a:fld>
             <a:endParaRPr lang="fr-FR"/>
           </a:p>
@@ -1762,7 +1762,7 @@
           <a:p>
             <a:fld id="{079FDD88-DC1F-45DB-B1FB-F5FEEC1AA1EF}" type="datetimeFigureOut">
               <a:rPr lang="fr-FR" smtClean="0"/>
-              <a:t>21/10/2024</a:t>
+              <a:t>22/10/2024</a:t>
             </a:fld>
             <a:endParaRPr lang="fr-FR"/>
           </a:p>
@@ -2076,7 +2076,7 @@
           <a:p>
             <a:fld id="{079FDD88-DC1F-45DB-B1FB-F5FEEC1AA1EF}" type="datetimeFigureOut">
               <a:rPr lang="fr-FR" smtClean="0"/>
-              <a:t>21/10/2024</a:t>
+              <a:t>22/10/2024</a:t>
             </a:fld>
             <a:endParaRPr lang="fr-FR"/>
           </a:p>
@@ -2469,7 +2469,7 @@
           <a:p>
             <a:fld id="{079FDD88-DC1F-45DB-B1FB-F5FEEC1AA1EF}" type="datetimeFigureOut">
               <a:rPr lang="fr-FR" smtClean="0"/>
-              <a:t>21/10/2024</a:t>
+              <a:t>22/10/2024</a:t>
             </a:fld>
             <a:endParaRPr lang="fr-FR"/>
           </a:p>
@@ -2639,7 +2639,7 @@
           <a:p>
             <a:fld id="{079FDD88-DC1F-45DB-B1FB-F5FEEC1AA1EF}" type="datetimeFigureOut">
               <a:rPr lang="fr-FR" smtClean="0"/>
-              <a:t>21/10/2024</a:t>
+              <a:t>22/10/2024</a:t>
             </a:fld>
             <a:endParaRPr lang="fr-FR"/>
           </a:p>
@@ -2819,7 +2819,7 @@
           <a:p>
             <a:fld id="{079FDD88-DC1F-45DB-B1FB-F5FEEC1AA1EF}" type="datetimeFigureOut">
               <a:rPr lang="fr-FR" smtClean="0"/>
-              <a:t>21/10/2024</a:t>
+              <a:t>22/10/2024</a:t>
             </a:fld>
             <a:endParaRPr lang="fr-FR"/>
           </a:p>
@@ -2995,7 +2995,7 @@
           <a:p>
             <a:fld id="{079FDD88-DC1F-45DB-B1FB-F5FEEC1AA1EF}" type="datetimeFigureOut">
               <a:rPr lang="fr-FR" smtClean="0"/>
-              <a:t>21/10/2024</a:t>
+              <a:t>22/10/2024</a:t>
             </a:fld>
             <a:endParaRPr lang="fr-FR"/>
           </a:p>
@@ -3242,7 +3242,7 @@
           <a:p>
             <a:fld id="{079FDD88-DC1F-45DB-B1FB-F5FEEC1AA1EF}" type="datetimeFigureOut">
               <a:rPr lang="fr-FR" smtClean="0"/>
-              <a:t>21/10/2024</a:t>
+              <a:t>22/10/2024</a:t>
             </a:fld>
             <a:endParaRPr lang="fr-FR"/>
           </a:p>
@@ -3474,7 +3474,7 @@
           <a:p>
             <a:fld id="{079FDD88-DC1F-45DB-B1FB-F5FEEC1AA1EF}" type="datetimeFigureOut">
               <a:rPr lang="fr-FR" smtClean="0"/>
-              <a:t>21/10/2024</a:t>
+              <a:t>22/10/2024</a:t>
             </a:fld>
             <a:endParaRPr lang="fr-FR"/>
           </a:p>
@@ -3848,7 +3848,7 @@
           <a:p>
             <a:fld id="{079FDD88-DC1F-45DB-B1FB-F5FEEC1AA1EF}" type="datetimeFigureOut">
               <a:rPr lang="fr-FR" smtClean="0"/>
-              <a:t>21/10/2024</a:t>
+              <a:t>22/10/2024</a:t>
             </a:fld>
             <a:endParaRPr lang="fr-FR"/>
           </a:p>
@@ -3971,7 +3971,7 @@
           <a:p>
             <a:fld id="{079FDD88-DC1F-45DB-B1FB-F5FEEC1AA1EF}" type="datetimeFigureOut">
               <a:rPr lang="fr-FR" smtClean="0"/>
-              <a:t>21/10/2024</a:t>
+              <a:t>22/10/2024</a:t>
             </a:fld>
             <a:endParaRPr lang="fr-FR"/>
           </a:p>
@@ -4066,7 +4066,7 @@
           <a:p>
             <a:fld id="{079FDD88-DC1F-45DB-B1FB-F5FEEC1AA1EF}" type="datetimeFigureOut">
               <a:rPr lang="fr-FR" smtClean="0"/>
-              <a:t>21/10/2024</a:t>
+              <a:t>22/10/2024</a:t>
             </a:fld>
             <a:endParaRPr lang="fr-FR"/>
           </a:p>
@@ -4321,7 +4321,7 @@
           <a:p>
             <a:fld id="{079FDD88-DC1F-45DB-B1FB-F5FEEC1AA1EF}" type="datetimeFigureOut">
               <a:rPr lang="fr-FR" smtClean="0"/>
-              <a:t>21/10/2024</a:t>
+              <a:t>22/10/2024</a:t>
             </a:fld>
             <a:endParaRPr lang="fr-FR"/>
           </a:p>
@@ -4584,7 +4584,7 @@
           <a:p>
             <a:fld id="{079FDD88-DC1F-45DB-B1FB-F5FEEC1AA1EF}" type="datetimeFigureOut">
               <a:rPr lang="fr-FR" smtClean="0"/>
-              <a:t>21/10/2024</a:t>
+              <a:t>22/10/2024</a:t>
             </a:fld>
             <a:endParaRPr lang="fr-FR"/>
           </a:p>
@@ -5327,7 +5327,7 @@
           <a:p>
             <a:fld id="{079FDD88-DC1F-45DB-B1FB-F5FEEC1AA1EF}" type="datetimeFigureOut">
               <a:rPr lang="fr-FR" smtClean="0"/>
-              <a:t>21/10/2024</a:t>
+              <a:t>22/10/2024</a:t>
             </a:fld>
             <a:endParaRPr lang="fr-FR"/>
           </a:p>
@@ -5907,13 +5907,20 @@
         <p:spPr/>
         <p:txBody>
           <a:bodyPr>
-            <a:normAutofit/>
+            <a:normAutofit fontScale="92500" lnSpcReduction="20000"/>
           </a:bodyPr>
           <a:lstStyle/>
           <a:p>
             <a:r>
               <a:rPr lang="fr-FR" sz="2000" b="1" dirty="0"/>
-              <a:t>Projet du cours Conception et Développement d’Application auprès de G2R Formation, 2024-25 </a:t>
+              <a:t>22/10/2024</a:t>
+            </a:r>
+            <a:br>
+              <a:rPr lang="fr-FR" sz="2000" b="1" dirty="0"/>
+            </a:br>
+            <a:r>
+              <a:rPr lang="fr-FR" sz="2000" b="1" dirty="0"/>
+              <a:t>Projet du cours Conception et Développement d’Application auprès de G2R Formation </a:t>
             </a:r>
             <a:br>
               <a:rPr lang="fr-FR" sz="2000" b="1" dirty="0"/>
@@ -5962,39 +5969,269 @@
       </p:grpSpPr>
       <p:sp>
         <p:nvSpPr>
-          <p:cNvPr id="3" name="Espace réservé du contenu 2">
+          <p:cNvPr id="4" name="Espace réservé du contenu 2">
             <a:extLst>
               <a:ext uri="{FF2B5EF4-FFF2-40B4-BE49-F238E27FC236}">
-                <a16:creationId xmlns:a16="http://schemas.microsoft.com/office/drawing/2014/main" id="{6F722CE3-CB6E-4481-A3C4-041BF794FD0C}"/>
+                <a16:creationId xmlns:a16="http://schemas.microsoft.com/office/drawing/2014/main" id="{41BCEEBB-5F90-4959-8B27-E7F1A726E8F5}"/>
               </a:ext>
             </a:extLst>
           </p:cNvPr>
-          <p:cNvSpPr>
-            <a:spLocks noGrp="1"/>
-          </p:cNvSpPr>
-          <p:nvPr>
-            <p:ph idx="1"/>
-          </p:nvPr>
+          <p:cNvSpPr txBox="1">
+            <a:spLocks/>
+          </p:cNvSpPr>
+          <p:nvPr/>
         </p:nvSpPr>
         <p:spPr>
           <a:xfrm>
-            <a:off x="677334" y="685801"/>
-            <a:ext cx="8596668" cy="5355562"/>
+            <a:off x="636993" y="1250577"/>
+            <a:ext cx="10524065" cy="6225988"/>
           </a:xfrm>
+          <a:prstGeom prst="rect">
+            <a:avLst/>
+          </a:prstGeom>
         </p:spPr>
         <p:txBody>
-          <a:bodyPr/>
-          <a:lstStyle/>
+          <a:bodyPr vert="horz" lIns="91440" tIns="45720" rIns="91440" bIns="45720" rtlCol="0">
+            <a:normAutofit fontScale="32500" lnSpcReduction="20000"/>
+          </a:bodyPr>
+          <a:lstStyle>
+            <a:lvl1pPr marL="342900" indent="-342900" algn="l" defTabSz="457200" rtl="0" eaLnBrk="1" latinLnBrk="0" hangingPunct="1">
+              <a:spcBef>
+                <a:spcPts val="1000"/>
+              </a:spcBef>
+              <a:spcAft>
+                <a:spcPts val="0"/>
+              </a:spcAft>
+              <a:buClr>
+                <a:schemeClr val="accent1"/>
+              </a:buClr>
+              <a:buSzPct val="80000"/>
+              <a:buFont typeface="Wingdings 3" charset="2"/>
+              <a:buChar char=""/>
+              <a:defRPr sz="1800" kern="1200">
+                <a:solidFill>
+                  <a:schemeClr val="tx1">
+                    <a:lumMod val="75000"/>
+                    <a:lumOff val="25000"/>
+                  </a:schemeClr>
+                </a:solidFill>
+                <a:latin typeface="+mn-lt"/>
+                <a:ea typeface="+mn-ea"/>
+                <a:cs typeface="+mn-cs"/>
+              </a:defRPr>
+            </a:lvl1pPr>
+            <a:lvl2pPr marL="742950" indent="-285750" algn="l" defTabSz="457200" rtl="0" eaLnBrk="1" latinLnBrk="0" hangingPunct="1">
+              <a:spcBef>
+                <a:spcPts val="1000"/>
+              </a:spcBef>
+              <a:spcAft>
+                <a:spcPts val="0"/>
+              </a:spcAft>
+              <a:buClr>
+                <a:schemeClr val="accent1"/>
+              </a:buClr>
+              <a:buSzPct val="80000"/>
+              <a:buFont typeface="Wingdings 3" charset="2"/>
+              <a:buChar char=""/>
+              <a:defRPr sz="1600" kern="1200">
+                <a:solidFill>
+                  <a:schemeClr val="tx1">
+                    <a:lumMod val="75000"/>
+                    <a:lumOff val="25000"/>
+                  </a:schemeClr>
+                </a:solidFill>
+                <a:latin typeface="+mn-lt"/>
+                <a:ea typeface="+mn-ea"/>
+                <a:cs typeface="+mn-cs"/>
+              </a:defRPr>
+            </a:lvl2pPr>
+            <a:lvl3pPr marL="1143000" indent="-228600" algn="l" defTabSz="457200" rtl="0" eaLnBrk="1" latinLnBrk="0" hangingPunct="1">
+              <a:spcBef>
+                <a:spcPts val="1000"/>
+              </a:spcBef>
+              <a:spcAft>
+                <a:spcPts val="0"/>
+              </a:spcAft>
+              <a:buClr>
+                <a:schemeClr val="accent1"/>
+              </a:buClr>
+              <a:buSzPct val="80000"/>
+              <a:buFont typeface="Wingdings 3" charset="2"/>
+              <a:buChar char=""/>
+              <a:defRPr sz="1400" kern="1200">
+                <a:solidFill>
+                  <a:schemeClr val="tx1">
+                    <a:lumMod val="75000"/>
+                    <a:lumOff val="25000"/>
+                  </a:schemeClr>
+                </a:solidFill>
+                <a:latin typeface="+mn-lt"/>
+                <a:ea typeface="+mn-ea"/>
+                <a:cs typeface="+mn-cs"/>
+              </a:defRPr>
+            </a:lvl3pPr>
+            <a:lvl4pPr marL="1600200" indent="-228600" algn="l" defTabSz="457200" rtl="0" eaLnBrk="1" latinLnBrk="0" hangingPunct="1">
+              <a:spcBef>
+                <a:spcPts val="1000"/>
+              </a:spcBef>
+              <a:spcAft>
+                <a:spcPts val="0"/>
+              </a:spcAft>
+              <a:buClr>
+                <a:schemeClr val="accent1"/>
+              </a:buClr>
+              <a:buSzPct val="80000"/>
+              <a:buFont typeface="Wingdings 3" charset="2"/>
+              <a:buChar char=""/>
+              <a:defRPr sz="1200" kern="1200">
+                <a:solidFill>
+                  <a:schemeClr val="tx1">
+                    <a:lumMod val="75000"/>
+                    <a:lumOff val="25000"/>
+                  </a:schemeClr>
+                </a:solidFill>
+                <a:latin typeface="+mn-lt"/>
+                <a:ea typeface="+mn-ea"/>
+                <a:cs typeface="+mn-cs"/>
+              </a:defRPr>
+            </a:lvl4pPr>
+            <a:lvl5pPr marL="2057400" indent="-228600" algn="l" defTabSz="457200" rtl="0" eaLnBrk="1" latinLnBrk="0" hangingPunct="1">
+              <a:spcBef>
+                <a:spcPts val="1000"/>
+              </a:spcBef>
+              <a:spcAft>
+                <a:spcPts val="0"/>
+              </a:spcAft>
+              <a:buClr>
+                <a:schemeClr val="accent1"/>
+              </a:buClr>
+              <a:buSzPct val="80000"/>
+              <a:buFont typeface="Wingdings 3" charset="2"/>
+              <a:buChar char=""/>
+              <a:defRPr sz="1200" kern="1200">
+                <a:solidFill>
+                  <a:schemeClr val="tx1">
+                    <a:lumMod val="75000"/>
+                    <a:lumOff val="25000"/>
+                  </a:schemeClr>
+                </a:solidFill>
+                <a:latin typeface="+mn-lt"/>
+                <a:ea typeface="+mn-ea"/>
+                <a:cs typeface="+mn-cs"/>
+              </a:defRPr>
+            </a:lvl5pPr>
+            <a:lvl6pPr marL="2514600" indent="-228600" algn="l" defTabSz="457200" rtl="0" eaLnBrk="1" latinLnBrk="0" hangingPunct="1">
+              <a:spcBef>
+                <a:spcPts val="1000"/>
+              </a:spcBef>
+              <a:spcAft>
+                <a:spcPts val="0"/>
+              </a:spcAft>
+              <a:buClr>
+                <a:schemeClr val="accent1"/>
+              </a:buClr>
+              <a:buSzPct val="80000"/>
+              <a:buFont typeface="Wingdings 3" charset="2"/>
+              <a:buChar char=""/>
+              <a:defRPr sz="1200" kern="1200">
+                <a:solidFill>
+                  <a:schemeClr val="tx1">
+                    <a:lumMod val="75000"/>
+                    <a:lumOff val="25000"/>
+                  </a:schemeClr>
+                </a:solidFill>
+                <a:latin typeface="+mn-lt"/>
+                <a:ea typeface="+mn-ea"/>
+                <a:cs typeface="+mn-cs"/>
+              </a:defRPr>
+            </a:lvl6pPr>
+            <a:lvl7pPr marL="2971800" indent="-228600" algn="l" defTabSz="457200" rtl="0" eaLnBrk="1" latinLnBrk="0" hangingPunct="1">
+              <a:spcBef>
+                <a:spcPts val="1000"/>
+              </a:spcBef>
+              <a:spcAft>
+                <a:spcPts val="0"/>
+              </a:spcAft>
+              <a:buClr>
+                <a:schemeClr val="accent1"/>
+              </a:buClr>
+              <a:buSzPct val="80000"/>
+              <a:buFont typeface="Wingdings 3" charset="2"/>
+              <a:buChar char=""/>
+              <a:defRPr sz="1200" kern="1200">
+                <a:solidFill>
+                  <a:schemeClr val="tx1">
+                    <a:lumMod val="75000"/>
+                    <a:lumOff val="25000"/>
+                  </a:schemeClr>
+                </a:solidFill>
+                <a:latin typeface="+mn-lt"/>
+                <a:ea typeface="+mn-ea"/>
+                <a:cs typeface="+mn-cs"/>
+              </a:defRPr>
+            </a:lvl7pPr>
+            <a:lvl8pPr marL="3429000" indent="-228600" algn="l" defTabSz="457200" rtl="0" eaLnBrk="1" latinLnBrk="0" hangingPunct="1">
+              <a:spcBef>
+                <a:spcPts val="1000"/>
+              </a:spcBef>
+              <a:spcAft>
+                <a:spcPts val="0"/>
+              </a:spcAft>
+              <a:buClr>
+                <a:schemeClr val="accent1"/>
+              </a:buClr>
+              <a:buSzPct val="80000"/>
+              <a:buFont typeface="Wingdings 3" charset="2"/>
+              <a:buChar char=""/>
+              <a:defRPr sz="1200" kern="1200">
+                <a:solidFill>
+                  <a:schemeClr val="tx1">
+                    <a:lumMod val="75000"/>
+                    <a:lumOff val="25000"/>
+                  </a:schemeClr>
+                </a:solidFill>
+                <a:latin typeface="+mn-lt"/>
+                <a:ea typeface="+mn-ea"/>
+                <a:cs typeface="+mn-cs"/>
+              </a:defRPr>
+            </a:lvl8pPr>
+            <a:lvl9pPr marL="3886200" indent="-228600" algn="l" defTabSz="457200" rtl="0" eaLnBrk="1" latinLnBrk="0" hangingPunct="1">
+              <a:spcBef>
+                <a:spcPts val="1000"/>
+              </a:spcBef>
+              <a:spcAft>
+                <a:spcPts val="0"/>
+              </a:spcAft>
+              <a:buClr>
+                <a:schemeClr val="accent1"/>
+              </a:buClr>
+              <a:buSzPct val="80000"/>
+              <a:buFont typeface="Wingdings 3" charset="2"/>
+              <a:buChar char=""/>
+              <a:defRPr sz="1200" kern="1200">
+                <a:solidFill>
+                  <a:schemeClr val="tx1">
+                    <a:lumMod val="75000"/>
+                    <a:lumOff val="25000"/>
+                  </a:schemeClr>
+                </a:solidFill>
+                <a:latin typeface="+mn-lt"/>
+                <a:ea typeface="+mn-ea"/>
+                <a:cs typeface="+mn-cs"/>
+              </a:defRPr>
+            </a:lvl9pPr>
+          </a:lstStyle>
           <a:p>
             <a:pPr marL="0" indent="0">
+              <a:buFont typeface="Wingdings 3" charset="2"/>
               <a:buNone/>
             </a:pPr>
             <a:r>
-              <a:rPr lang="fr-FR" sz="2800" dirty="0"/>
-              <a:t>BESOINS NON </a:t>
-            </a:r>
-            <a:r>
-              <a:rPr lang="fr-FR" sz="2800" dirty="0">
+              <a:rPr lang="fr-FR" sz="11200" dirty="0"/>
+              <a:t>BESOINS </a:t>
+            </a:r>
+            <a:r>
+              <a:rPr lang="fr-FR" sz="11200" dirty="0">
                 <a:solidFill>
                   <a:schemeClr val="tx1"/>
                 </a:solidFill>
@@ -6002,17 +6239,7 @@
               <a:t>FONCTIONNELS (</a:t>
             </a:r>
             <a:r>
-              <a:rPr lang="fr-FR" sz="2800" b="1" i="0" dirty="0">
-                <a:solidFill>
-                  <a:schemeClr val="tx1"/>
-                </a:solidFill>
-                <a:effectLst/>
-                <a:latin typeface="-apple-system"/>
-              </a:rPr>
-              <a:t>non-</a:t>
-            </a:r>
-            <a:r>
-              <a:rPr lang="fr-FR" sz="2800" b="1" i="0" dirty="0" err="1">
+              <a:rPr lang="fr-FR" sz="11200" b="1" i="0" dirty="0" err="1">
                 <a:solidFill>
                   <a:schemeClr val="tx1"/>
                 </a:solidFill>
@@ -6022,7 +6249,7 @@
               <a:t>functional</a:t>
             </a:r>
             <a:r>
-              <a:rPr lang="fr-FR" sz="2800" b="1" i="0" dirty="0">
+              <a:rPr lang="fr-FR" sz="11200" b="1" i="0" dirty="0">
                 <a:solidFill>
                   <a:schemeClr val="tx1"/>
                 </a:solidFill>
@@ -6032,7 +6259,7 @@
               <a:t> </a:t>
             </a:r>
             <a:r>
-              <a:rPr lang="fr-FR" sz="2800" b="1" i="0" dirty="0" err="1">
+              <a:rPr lang="fr-FR" sz="11200" b="1" i="0" dirty="0" err="1">
                 <a:solidFill>
                   <a:schemeClr val="tx1"/>
                 </a:solidFill>
@@ -6042,107 +6269,117 @@
               <a:t>requirements</a:t>
             </a:r>
             <a:r>
-              <a:rPr lang="fr-FR" sz="2800" b="1" i="0" dirty="0">
+              <a:rPr lang="fr-FR" sz="11200" dirty="0">
                 <a:solidFill>
                   <a:schemeClr val="tx1"/>
                 </a:solidFill>
-                <a:effectLst/>
-                <a:latin typeface="-apple-system"/>
               </a:rPr>
-              <a:t> (</a:t>
-            </a:r>
-            <a:r>
-              <a:rPr lang="fr-FR" sz="2800" b="1" i="0" dirty="0" err="1">
-                <a:solidFill>
-                  <a:schemeClr val="tx1"/>
-                </a:solidFill>
-                <a:effectLst/>
-                <a:latin typeface="-apple-system"/>
-              </a:rPr>
-              <a:t>NFRs</a:t>
-            </a:r>
-            <a:r>
-              <a:rPr lang="fr-FR" sz="2800" b="1" i="0" dirty="0">
-                <a:solidFill>
-                  <a:schemeClr val="tx1"/>
-                </a:solidFill>
-                <a:effectLst/>
-                <a:latin typeface="-apple-system"/>
-              </a:rPr>
-              <a:t>) </a:t>
-            </a:r>
-            <a:r>
-              <a:rPr lang="fr-FR" sz="2800" dirty="0">
-                <a:solidFill>
-                  <a:schemeClr val="tx1"/>
-                </a:solidFill>
-              </a:rPr>
-              <a:t>)</a:t>
-            </a:r>
-          </a:p>
-          <a:p>
-            <a:pPr marL="0" indent="0">
-              <a:buNone/>
+              <a:t>):</a:t>
+            </a:r>
+          </a:p>
+          <a:p>
+            <a:endParaRPr lang="fr-FR" sz="7200" dirty="0"/>
+          </a:p>
+          <a:p>
+            <a:r>
+              <a:rPr lang="fr-FR" sz="7200" dirty="0"/>
+              <a:t>Sélection des contenus par rapport au sujet clé recherché : </a:t>
+            </a:r>
+          </a:p>
+          <a:p>
+            <a:pPr marL="1943100" lvl="2" indent="-1143000">
+              <a:buFont typeface="+mj-lt"/>
+              <a:buAutoNum type="arabicPeriod"/>
             </a:pPr>
-            <a:endParaRPr lang="fr-FR" sz="2800" dirty="0">
-              <a:solidFill>
-                <a:schemeClr val="tx1"/>
-              </a:solidFill>
-            </a:endParaRPr>
-          </a:p>
-          <a:p>
-            <a:r>
-              <a:rPr lang="fr-FR" dirty="0"/>
-              <a:t>Disponibilité du site 98%</a:t>
-            </a:r>
-          </a:p>
-          <a:p>
-            <a:r>
-              <a:rPr lang="fr-FR" dirty="0"/>
-              <a:t>Fiabilité</a:t>
-            </a:r>
-          </a:p>
-          <a:p>
-            <a:r>
-              <a:rPr lang="fr-FR" dirty="0"/>
-              <a:t>Sécurité en conformité avec RGPD </a:t>
-            </a:r>
-          </a:p>
-          <a:p>
-            <a:r>
-              <a:rPr lang="fr-FR" dirty="0"/>
-              <a:t>User-</a:t>
-            </a:r>
-            <a:r>
-              <a:rPr lang="fr-FR" dirty="0" err="1"/>
-              <a:t>friendly</a:t>
-            </a:r>
-            <a:r>
-              <a:rPr lang="fr-FR" dirty="0"/>
-              <a:t> design. </a:t>
-            </a:r>
-          </a:p>
-          <a:p>
-            <a:r>
-              <a:rPr lang="fr-FR" dirty="0"/>
-              <a:t>Rapidité à montrer les contenus, recherchés ou crées ou mis à jour.</a:t>
-            </a:r>
-          </a:p>
-          <a:p>
-            <a:r>
-              <a:rPr lang="fr-FR" dirty="0"/>
-              <a:t>Mise à jour automatique et régulière de la base des données.</a:t>
-            </a:r>
-          </a:p>
-          <a:p>
-            <a:pPr marL="0" indent="0">
-              <a:buNone/>
+            <a:r>
+              <a:rPr lang="fr-FR" sz="6800" dirty="0"/>
+              <a:t>=&gt; recherche générale par endroit (informations obligatoires « * » : ville, pays) ;</a:t>
+            </a:r>
+          </a:p>
+          <a:p>
+            <a:pPr marL="1943100" lvl="2" indent="-1143000">
+              <a:buFont typeface="+mj-lt"/>
+              <a:buAutoNum type="arabicPeriod"/>
             </a:pPr>
-            <a:endParaRPr lang="fr-FR" sz="1800" b="1" dirty="0">
-              <a:solidFill>
-                <a:srgbClr val="FF0000"/>
-              </a:solidFill>
-            </a:endParaRPr>
+            <a:r>
+              <a:rPr lang="fr-FR" sz="6800" dirty="0"/>
+              <a:t>=&gt; recherche avancée (informations obligatoires « * » : ville, pays + activité spécifique).</a:t>
+            </a:r>
+            <a:endParaRPr lang="fr-FR" sz="7200" dirty="0"/>
+          </a:p>
+          <a:p>
+            <a:r>
+              <a:rPr lang="fr-FR" sz="7200" dirty="0"/>
+              <a:t>Classification des contenus par nombre des visualisations.</a:t>
+            </a:r>
+          </a:p>
+          <a:p>
+            <a:r>
+              <a:rPr lang="fr-FR" sz="7200" dirty="0"/>
+              <a:t>Traduction en anglais des contenus. </a:t>
+            </a:r>
+          </a:p>
+          <a:p>
+            <a:r>
+              <a:rPr lang="fr-FR" sz="7200" dirty="0"/>
+              <a:t>Inscription / Connection.</a:t>
+            </a:r>
+          </a:p>
+          <a:p>
+            <a:r>
+              <a:rPr lang="fr-FR" sz="7200" dirty="0"/>
+              <a:t>Création, mise à jour, suppression des contenus (texte, titre, photos…). </a:t>
+            </a:r>
+          </a:p>
+          <a:p>
+            <a:r>
+              <a:rPr lang="fr-FR" sz="7200" dirty="0"/>
+              <a:t>Phase de visualisation du contenu (non encore publié).</a:t>
+            </a:r>
+          </a:p>
+          <a:p>
+            <a:r>
+              <a:rPr lang="fr-FR" sz="7200" dirty="0"/>
+              <a:t>Mise en ligne du contenu. </a:t>
+            </a:r>
+          </a:p>
+          <a:p>
+            <a:pPr>
+              <a:buFontTx/>
+              <a:buChar char="-"/>
+            </a:pPr>
+            <a:endParaRPr lang="fr-FR" sz="7200" dirty="0"/>
+          </a:p>
+          <a:p>
+            <a:pPr>
+              <a:buFontTx/>
+              <a:buChar char="-"/>
+            </a:pPr>
+            <a:endParaRPr lang="fr-FR" sz="7200" dirty="0"/>
+          </a:p>
+          <a:p>
+            <a:pPr>
+              <a:buFontTx/>
+              <a:buChar char="-"/>
+            </a:pPr>
+            <a:endParaRPr lang="fr-FR" dirty="0"/>
+          </a:p>
+          <a:p>
+            <a:pPr>
+              <a:buFontTx/>
+              <a:buChar char="-"/>
+            </a:pPr>
+            <a:endParaRPr lang="fr-FR" dirty="0"/>
+          </a:p>
+          <a:p>
+            <a:pPr>
+              <a:buFontTx/>
+              <a:buChar char="-"/>
+            </a:pPr>
+            <a:endParaRPr lang="fr-FR" dirty="0"/>
+          </a:p>
+          <a:p>
+            <a:endParaRPr lang="fr-FR" dirty="0"/>
           </a:p>
           <a:p>
             <a:endParaRPr lang="fr-FR" dirty="0"/>
@@ -6152,7 +6389,7 @@
     </p:spTree>
     <p:extLst>
       <p:ext uri="{BB962C8B-B14F-4D97-AF65-F5344CB8AC3E}">
-        <p14:creationId xmlns:p14="http://schemas.microsoft.com/office/powerpoint/2010/main" val="157088982"/>
+        <p14:creationId xmlns:p14="http://schemas.microsoft.com/office/powerpoint/2010/main" val="695806723"/>
       </p:ext>
     </p:extLst>
   </p:cSld>
@@ -6181,6 +6418,225 @@
       </p:grpSpPr>
       <p:sp>
         <p:nvSpPr>
+          <p:cNvPr id="3" name="Espace réservé du contenu 2">
+            <a:extLst>
+              <a:ext uri="{FF2B5EF4-FFF2-40B4-BE49-F238E27FC236}">
+                <a16:creationId xmlns:a16="http://schemas.microsoft.com/office/drawing/2014/main" id="{6F722CE3-CB6E-4481-A3C4-041BF794FD0C}"/>
+              </a:ext>
+            </a:extLst>
+          </p:cNvPr>
+          <p:cNvSpPr>
+            <a:spLocks noGrp="1"/>
+          </p:cNvSpPr>
+          <p:nvPr>
+            <p:ph idx="1"/>
+          </p:nvPr>
+        </p:nvSpPr>
+        <p:spPr>
+          <a:xfrm>
+            <a:off x="677334" y="685801"/>
+            <a:ext cx="8596668" cy="5355562"/>
+          </a:xfrm>
+        </p:spPr>
+        <p:txBody>
+          <a:bodyPr/>
+          <a:lstStyle/>
+          <a:p>
+            <a:pPr marL="0" indent="0">
+              <a:buNone/>
+            </a:pPr>
+            <a:r>
+              <a:rPr lang="fr-FR" sz="2800" dirty="0"/>
+              <a:t>BESOINS NON </a:t>
+            </a:r>
+            <a:r>
+              <a:rPr lang="fr-FR" sz="2800" dirty="0">
+                <a:solidFill>
+                  <a:schemeClr val="tx1"/>
+                </a:solidFill>
+              </a:rPr>
+              <a:t>FONCTIONNELS (</a:t>
+            </a:r>
+            <a:r>
+              <a:rPr lang="fr-FR" sz="2800" b="1" i="0" dirty="0">
+                <a:solidFill>
+                  <a:schemeClr val="tx1"/>
+                </a:solidFill>
+                <a:effectLst/>
+                <a:latin typeface="-apple-system"/>
+              </a:rPr>
+              <a:t>non-</a:t>
+            </a:r>
+            <a:r>
+              <a:rPr lang="fr-FR" sz="2800" b="1" i="0" dirty="0" err="1">
+                <a:solidFill>
+                  <a:schemeClr val="tx1"/>
+                </a:solidFill>
+                <a:effectLst/>
+                <a:latin typeface="-apple-system"/>
+              </a:rPr>
+              <a:t>functional</a:t>
+            </a:r>
+            <a:r>
+              <a:rPr lang="fr-FR" sz="2800" b="1" i="0" dirty="0">
+                <a:solidFill>
+                  <a:schemeClr val="tx1"/>
+                </a:solidFill>
+                <a:effectLst/>
+                <a:latin typeface="-apple-system"/>
+              </a:rPr>
+              <a:t> </a:t>
+            </a:r>
+            <a:r>
+              <a:rPr lang="fr-FR" sz="2800" b="1" i="0" dirty="0" err="1">
+                <a:solidFill>
+                  <a:schemeClr val="tx1"/>
+                </a:solidFill>
+                <a:effectLst/>
+                <a:latin typeface="-apple-system"/>
+              </a:rPr>
+              <a:t>requirements</a:t>
+            </a:r>
+            <a:r>
+              <a:rPr lang="fr-FR" sz="2800" b="1" i="0" dirty="0">
+                <a:solidFill>
+                  <a:schemeClr val="tx1"/>
+                </a:solidFill>
+                <a:effectLst/>
+                <a:latin typeface="-apple-system"/>
+              </a:rPr>
+              <a:t> (</a:t>
+            </a:r>
+            <a:r>
+              <a:rPr lang="fr-FR" sz="2800" b="1" i="0" dirty="0" err="1">
+                <a:solidFill>
+                  <a:schemeClr val="tx1"/>
+                </a:solidFill>
+                <a:effectLst/>
+                <a:latin typeface="-apple-system"/>
+              </a:rPr>
+              <a:t>NFRs</a:t>
+            </a:r>
+            <a:r>
+              <a:rPr lang="fr-FR" sz="2800" b="1" i="0" dirty="0">
+                <a:solidFill>
+                  <a:schemeClr val="tx1"/>
+                </a:solidFill>
+                <a:effectLst/>
+                <a:latin typeface="-apple-system"/>
+              </a:rPr>
+              <a:t>) </a:t>
+            </a:r>
+            <a:r>
+              <a:rPr lang="fr-FR" sz="2800" dirty="0">
+                <a:solidFill>
+                  <a:schemeClr val="tx1"/>
+                </a:solidFill>
+              </a:rPr>
+              <a:t>)</a:t>
+            </a:r>
+          </a:p>
+          <a:p>
+            <a:pPr marL="0" indent="0">
+              <a:buNone/>
+            </a:pPr>
+            <a:endParaRPr lang="fr-FR" sz="2800" dirty="0">
+              <a:solidFill>
+                <a:schemeClr val="tx1"/>
+              </a:solidFill>
+            </a:endParaRPr>
+          </a:p>
+          <a:p>
+            <a:r>
+              <a:rPr lang="fr-FR" dirty="0"/>
+              <a:t>Disponibilité du site 98%</a:t>
+            </a:r>
+          </a:p>
+          <a:p>
+            <a:r>
+              <a:rPr lang="fr-FR" dirty="0"/>
+              <a:t>Fiabilité</a:t>
+            </a:r>
+          </a:p>
+          <a:p>
+            <a:r>
+              <a:rPr lang="fr-FR" dirty="0"/>
+              <a:t>Sécurité en conformité avec RGPD </a:t>
+            </a:r>
+          </a:p>
+          <a:p>
+            <a:r>
+              <a:rPr lang="fr-FR" dirty="0"/>
+              <a:t>User-</a:t>
+            </a:r>
+            <a:r>
+              <a:rPr lang="fr-FR" dirty="0" err="1"/>
+              <a:t>friendly</a:t>
+            </a:r>
+            <a:r>
+              <a:rPr lang="fr-FR" dirty="0"/>
+              <a:t> design. </a:t>
+            </a:r>
+          </a:p>
+          <a:p>
+            <a:r>
+              <a:rPr lang="fr-FR" dirty="0"/>
+              <a:t>Rapidité à montrer les contenus, recherchés ou crées ou mis à jour.</a:t>
+            </a:r>
+          </a:p>
+          <a:p>
+            <a:r>
+              <a:rPr lang="fr-FR" dirty="0"/>
+              <a:t>Mise à jour automatique et régulière de la base des données.</a:t>
+            </a:r>
+          </a:p>
+          <a:p>
+            <a:pPr marL="0" indent="0">
+              <a:buNone/>
+            </a:pPr>
+            <a:endParaRPr lang="fr-FR" sz="1800" b="1" dirty="0">
+              <a:solidFill>
+                <a:srgbClr val="FF0000"/>
+              </a:solidFill>
+            </a:endParaRPr>
+          </a:p>
+          <a:p>
+            <a:endParaRPr lang="fr-FR" dirty="0"/>
+          </a:p>
+        </p:txBody>
+      </p:sp>
+    </p:spTree>
+    <p:extLst>
+      <p:ext uri="{BB962C8B-B14F-4D97-AF65-F5344CB8AC3E}">
+        <p14:creationId xmlns:p14="http://schemas.microsoft.com/office/powerpoint/2010/main" val="157088982"/>
+      </p:ext>
+    </p:extLst>
+  </p:cSld>
+  <p:clrMapOvr>
+    <a:masterClrMapping/>
+  </p:clrMapOvr>
+</p:sld>
+</file>
+
+<file path=ppt/slides/slide12.xml><?xml version="1.0" encoding="utf-8"?>
+<p:sld xmlns:a="http://schemas.openxmlformats.org/drawingml/2006/main" xmlns:r="http://schemas.openxmlformats.org/officeDocument/2006/relationships" xmlns:p="http://schemas.openxmlformats.org/presentationml/2006/main">
+  <p:cSld>
+    <p:spTree>
+      <p:nvGrpSpPr>
+        <p:cNvPr id="1" name=""/>
+        <p:cNvGrpSpPr/>
+        <p:nvPr/>
+      </p:nvGrpSpPr>
+      <p:grpSpPr>
+        <a:xfrm>
+          <a:off x="0" y="0"/>
+          <a:ext cx="0" cy="0"/>
+          <a:chOff x="0" y="0"/>
+          <a:chExt cx="0" cy="0"/>
+        </a:xfrm>
+      </p:grpSpPr>
+      <p:sp>
+        <p:nvSpPr>
           <p:cNvPr id="2" name="Titre 1">
             <a:extLst>
               <a:ext uri="{FF2B5EF4-FFF2-40B4-BE49-F238E27FC236}">
@@ -6244,15 +6700,15 @@
               <a:buAutoNum type="arabicPeriod"/>
             </a:pPr>
             <a:r>
-              <a:rPr lang="fr-FR" sz="1400" dirty="0"/>
+              <a:rPr lang="fr-FR" dirty="0"/>
               <a:t>Il se peut que l’expérience de partage ne soit pas plus agréable que celle offerte par des plateformes importantes (Instagram, </a:t>
             </a:r>
             <a:r>
-              <a:rPr lang="fr-FR" sz="1400" dirty="0" err="1"/>
+              <a:rPr lang="fr-FR" dirty="0" err="1"/>
               <a:t>FaceBook</a:t>
             </a:r>
             <a:r>
-              <a:rPr lang="fr-FR" sz="1400" dirty="0"/>
+              <a:rPr lang="fr-FR" dirty="0"/>
               <a:t>, …) et que cependant il n’y ait pas assez d’inscrits pour rendre le site intéressant et varié (moins d’inscrits et témoignages =&gt; site moins intéressant =&gt; moins d’inscrits et témoignages).</a:t>
             </a:r>
           </a:p>
@@ -6262,15 +6718,15 @@
               <a:buAutoNum type="arabicPeriod"/>
             </a:pPr>
             <a:r>
-              <a:rPr lang="fr-FR" sz="1400" dirty="0"/>
-              <a:t>L’idée de base de ce blog est celle de fournir un site gratuit, bénévole et de partage désintéressé. Si d’une côté cette vision répond aux souhaits d’intégrité de beaucoup de voyageurs indépendants, cela pose des soucis de moyens. Avec un site aux aspirations lucratives (avec des pub ou des liens vers des sites de vente du milieu), il y aurait davantage de </a:t>
-            </a:r>
-            <a:r>
-              <a:rPr lang="fr-FR" sz="1400" dirty="0" err="1"/>
+              <a:rPr lang="fr-FR" dirty="0"/>
+              <a:t>Une limite est l’espace à disposition pour l’ajout des contenus. L’idée de base de ce blog est celle de fournir un site gratuit, bénévole et de partage désintéressé. Si d’une côté cette vision répond aux souhaits d’intégrité de beaucoup de voyageurs indépendants, cela pose des soucis de moyens. Avec un site aux aspirations lucratives (avec des pub ou des liens vers des sites de vente du milieu), il y aurait davantage de </a:t>
+            </a:r>
+            <a:r>
+              <a:rPr lang="fr-FR" dirty="0" err="1"/>
               <a:t>multimedia</a:t>
             </a:r>
             <a:r>
-              <a:rPr lang="fr-FR" sz="1400" dirty="0"/>
+              <a:rPr lang="fr-FR" dirty="0"/>
               <a:t> et donc d’inscrits. Bien que cet aspect découragerait les vrais voyageurs à en rester membres. </a:t>
             </a:r>
           </a:p>
@@ -6280,8 +6736,8 @@
               <a:buAutoNum type="arabicPeriod"/>
             </a:pPr>
             <a:r>
-              <a:rPr lang="fr-FR" sz="1400" dirty="0"/>
-              <a:t>Une limite est l’espace à disposition pour l’ajout des photos : beaucoup de voyageurs aiment montrer les lieux qui ont visité mais pour des raisons financières il y a une limite à 5 photos par article.  </a:t>
+              <a:rPr lang="fr-FR" dirty="0"/>
+              <a:t>Manque de messagerie privée.</a:t>
             </a:r>
           </a:p>
           <a:p>
@@ -6290,43 +6746,17 @@
               <a:buAutoNum type="arabicPeriod"/>
             </a:pPr>
             <a:r>
-              <a:rPr lang="fr-FR" sz="1400" dirty="0"/>
-              <a:t>Le manque de possibilité d’ajout des vidéos pourrait décourager des visiteurs à s’inscrire. Cette limitation est en soi intentionnelle : l’idée du site étant davantage de fournir des informations et indications précises plutôt que d’acter comme une imitation des social networks. </a:t>
-            </a:r>
+              <a:rPr lang="fr-FR" dirty="0"/>
+              <a:t>Risque que la base des donnée ralentit s’il y avait beaucoup d’inscrits. Il faudra l’optimiser le cas échéant. </a:t>
+            </a:r>
+            <a:endParaRPr lang="fr-FR" sz="2400" dirty="0"/>
           </a:p>
           <a:p>
             <a:pPr algn="just">
               <a:buFont typeface="+mj-lt"/>
               <a:buAutoNum type="arabicPeriod"/>
             </a:pPr>
-            <a:r>
-              <a:rPr lang="fr-FR" sz="1400" dirty="0"/>
-              <a:t>Manque de messagerie privée.</a:t>
-            </a:r>
-          </a:p>
-          <a:p>
-            <a:pPr algn="just">
-              <a:buFont typeface="+mj-lt"/>
-              <a:buAutoNum type="arabicPeriod"/>
-            </a:pPr>
-            <a:r>
-              <a:rPr lang="fr-FR" sz="1400" dirty="0"/>
-              <a:t>Risque que la base des donnée ralentit s’il y avait beaucoup d’inscrits. Il faudra l’optimiser le cas échéant. </a:t>
-            </a:r>
-          </a:p>
-          <a:p>
-            <a:pPr algn="just">
-              <a:buFont typeface="+mj-lt"/>
-              <a:buAutoNum type="arabicPeriod"/>
-            </a:pPr>
-            <a:endParaRPr lang="fr-FR" dirty="0"/>
-          </a:p>
-          <a:p>
-            <a:pPr algn="just">
-              <a:buFont typeface="+mj-lt"/>
-              <a:buAutoNum type="arabicPeriod"/>
-            </a:pPr>
-            <a:endParaRPr lang="fr-FR" dirty="0"/>
+            <a:endParaRPr lang="fr-FR" sz="2400" dirty="0"/>
           </a:p>
         </p:txBody>
       </p:sp>
@@ -6343,7 +6773,7 @@
 </p:sld>
 </file>
 
-<file path=ppt/slides/slide12.xml><?xml version="1.0" encoding="utf-8"?>
+<file path=ppt/slides/slide13.xml><?xml version="1.0" encoding="utf-8"?>
 <p:sld xmlns:a="http://schemas.openxmlformats.org/drawingml/2006/main" xmlns:r="http://schemas.openxmlformats.org/officeDocument/2006/relationships" xmlns:p="http://schemas.openxmlformats.org/presentationml/2006/main">
   <p:cSld>
     <p:spTree>
@@ -6452,7 +6882,7 @@
         </p:blipFill>
         <p:spPr>
           <a:xfrm>
-            <a:off x="4349261" y="1467236"/>
+            <a:off x="6158896" y="1467236"/>
             <a:ext cx="918382" cy="1072877"/>
           </a:xfrm>
           <a:prstGeom prst="rect">
@@ -6632,7 +7062,7 @@
         </p:blipFill>
         <p:spPr>
           <a:xfrm>
-            <a:off x="4213369" y="2875796"/>
+            <a:off x="4157949" y="2875796"/>
             <a:ext cx="1231958" cy="1231958"/>
           </a:xfrm>
           <a:prstGeom prst="rect">
@@ -6668,7 +7098,7 @@
         </p:blipFill>
         <p:spPr>
           <a:xfrm>
-            <a:off x="5516304" y="1434514"/>
+            <a:off x="7164575" y="1434514"/>
             <a:ext cx="1105599" cy="1105599"/>
           </a:xfrm>
           <a:prstGeom prst="rect">
@@ -6704,8 +7134,8 @@
         </p:blipFill>
         <p:spPr>
           <a:xfrm>
-            <a:off x="2129225" y="4194856"/>
-            <a:ext cx="1276147" cy="1276147"/>
+            <a:off x="2084573" y="4214510"/>
+            <a:ext cx="1284203" cy="1284203"/>
           </a:xfrm>
           <a:prstGeom prst="rect">
             <a:avLst/>
@@ -6820,70 +7250,12 @@
           </a:prstGeom>
         </p:spPr>
       </p:pic>
-    </p:spTree>
-    <p:extLst>
-      <p:ext uri="{BB962C8B-B14F-4D97-AF65-F5344CB8AC3E}">
-        <p14:creationId xmlns:p14="http://schemas.microsoft.com/office/powerpoint/2010/main" val="3799837256"/>
-      </p:ext>
-    </p:extLst>
-  </p:cSld>
-  <p:clrMapOvr>
-    <a:masterClrMapping/>
-  </p:clrMapOvr>
-</p:sld>
-</file>
-
-<file path=ppt/slides/slide13.xml><?xml version="1.0" encoding="utf-8"?>
-<p:sld xmlns:a="http://schemas.openxmlformats.org/drawingml/2006/main" xmlns:r="http://schemas.openxmlformats.org/officeDocument/2006/relationships" xmlns:p="http://schemas.openxmlformats.org/presentationml/2006/main">
-  <p:cSld>
-    <p:spTree>
-      <p:nvGrpSpPr>
-        <p:cNvPr id="1" name=""/>
-        <p:cNvGrpSpPr/>
-        <p:nvPr/>
-      </p:nvGrpSpPr>
-      <p:grpSpPr>
-        <a:xfrm>
-          <a:off x="0" y="0"/>
-          <a:ext cx="0" cy="0"/>
-          <a:chOff x="0" y="0"/>
-          <a:chExt cx="0" cy="0"/>
-        </a:xfrm>
-      </p:grpSpPr>
-      <p:sp>
-        <p:nvSpPr>
-          <p:cNvPr id="2" name="Titre 1">
+      <p:pic>
+        <p:nvPicPr>
+          <p:cNvPr id="4" name="Image 3">
             <a:extLst>
               <a:ext uri="{FF2B5EF4-FFF2-40B4-BE49-F238E27FC236}">
-                <a16:creationId xmlns:a16="http://schemas.microsoft.com/office/drawing/2014/main" id="{CF519A2F-8B89-4949-B4D3-F04A0F5BF3B5}"/>
-              </a:ext>
-            </a:extLst>
-          </p:cNvPr>
-          <p:cNvSpPr>
-            <a:spLocks noGrp="1"/>
-          </p:cNvSpPr>
-          <p:nvPr>
-            <p:ph type="title"/>
-          </p:nvPr>
-        </p:nvSpPr>
-        <p:spPr/>
-        <p:txBody>
-          <a:bodyPr/>
-          <a:lstStyle/>
-          <a:p>
-            <a:r>
-              <a:rPr lang="fr-FR" dirty="0"/>
-              <a:t>Diagramme UML : cas d’utilisation</a:t>
-            </a:r>
-          </a:p>
-        </p:txBody>
-      </p:sp>
-      <p:pic>
-        <p:nvPicPr>
-          <p:cNvPr id="6" name="Image 5">
-            <a:extLst>
-              <a:ext uri="{FF2B5EF4-FFF2-40B4-BE49-F238E27FC236}">
-                <a16:creationId xmlns:a16="http://schemas.microsoft.com/office/drawing/2014/main" id="{D1E5170E-2E74-46AA-8583-CF86A2F55580}"/>
+                <a16:creationId xmlns:a16="http://schemas.microsoft.com/office/drawing/2014/main" id="{4645C087-896A-4626-B65E-9D185BDF519C}"/>
               </a:ext>
             </a:extLst>
           </p:cNvPr>
@@ -6893,15 +7265,21 @@
           <p:nvPr/>
         </p:nvPicPr>
         <p:blipFill>
-          <a:blip r:embed="rId2"/>
+          <a:blip r:embed="rId14">
+            <a:extLst>
+              <a:ext uri="{28A0092B-C50C-407E-A947-70E740481C1C}">
+                <a14:useLocalDpi xmlns:a14="http://schemas.microsoft.com/office/drawing/2010/main" val="0"/>
+              </a:ext>
+            </a:extLst>
+          </a:blip>
           <a:stretch>
             <a:fillRect/>
           </a:stretch>
         </p:blipFill>
         <p:spPr>
           <a:xfrm>
-            <a:off x="2649070" y="1286117"/>
-            <a:ext cx="3872753" cy="5366966"/>
+            <a:off x="3057349" y="1561298"/>
+            <a:ext cx="2931958" cy="974876"/>
           </a:xfrm>
           <a:prstGeom prst="rect">
             <a:avLst/>
@@ -6911,7 +7289,7 @@
     </p:spTree>
     <p:extLst>
       <p:ext uri="{BB962C8B-B14F-4D97-AF65-F5344CB8AC3E}">
-        <p14:creationId xmlns:p14="http://schemas.microsoft.com/office/powerpoint/2010/main" val="2338277770"/>
+        <p14:creationId xmlns:p14="http://schemas.microsoft.com/office/powerpoint/2010/main" val="3799837256"/>
       </p:ext>
     </p:extLst>
   </p:cSld>
@@ -6938,12 +7316,40 @@
           <a:chExt cx="0" cy="0"/>
         </a:xfrm>
       </p:grpSpPr>
+      <p:sp>
+        <p:nvSpPr>
+          <p:cNvPr id="2" name="Titre 1">
+            <a:extLst>
+              <a:ext uri="{FF2B5EF4-FFF2-40B4-BE49-F238E27FC236}">
+                <a16:creationId xmlns:a16="http://schemas.microsoft.com/office/drawing/2014/main" id="{CF519A2F-8B89-4949-B4D3-F04A0F5BF3B5}"/>
+              </a:ext>
+            </a:extLst>
+          </p:cNvPr>
+          <p:cNvSpPr>
+            <a:spLocks noGrp="1"/>
+          </p:cNvSpPr>
+          <p:nvPr>
+            <p:ph type="title"/>
+          </p:nvPr>
+        </p:nvSpPr>
+        <p:spPr/>
+        <p:txBody>
+          <a:bodyPr/>
+          <a:lstStyle/>
+          <a:p>
+            <a:r>
+              <a:rPr lang="fr-FR" dirty="0"/>
+              <a:t>Diagramme UML : cas d’utilisation</a:t>
+            </a:r>
+          </a:p>
+        </p:txBody>
+      </p:sp>
       <p:pic>
         <p:nvPicPr>
-          <p:cNvPr id="4" name="Image 3">
+          <p:cNvPr id="3" name="Image 2">
             <a:extLst>
               <a:ext uri="{FF2B5EF4-FFF2-40B4-BE49-F238E27FC236}">
-                <a16:creationId xmlns:a16="http://schemas.microsoft.com/office/drawing/2014/main" id="{7B3BB37F-A52C-4EBC-8226-E28DEA52FF56}"/>
+                <a16:creationId xmlns:a16="http://schemas.microsoft.com/office/drawing/2014/main" id="{D63834DF-335C-405E-8981-784CD2C404E0}"/>
               </a:ext>
             </a:extLst>
           </p:cNvPr>
@@ -6960,78 +7366,8 @@
         </p:blipFill>
         <p:spPr>
           <a:xfrm>
-            <a:off x="456641" y="1629494"/>
-            <a:ext cx="9480736" cy="3085180"/>
-          </a:xfrm>
-          <a:prstGeom prst="rect">
-            <a:avLst/>
-          </a:prstGeom>
-        </p:spPr>
-      </p:pic>
-      <p:sp>
-        <p:nvSpPr>
-          <p:cNvPr id="2" name="Titre 1">
-            <a:extLst>
-              <a:ext uri="{FF2B5EF4-FFF2-40B4-BE49-F238E27FC236}">
-                <a16:creationId xmlns:a16="http://schemas.microsoft.com/office/drawing/2014/main" id="{74D5D65C-36E3-411D-B38B-759ED2CDE320}"/>
-              </a:ext>
-            </a:extLst>
-          </p:cNvPr>
-          <p:cNvSpPr>
-            <a:spLocks noGrp="1"/>
-          </p:cNvSpPr>
-          <p:nvPr>
-            <p:ph type="title"/>
-          </p:nvPr>
-        </p:nvSpPr>
-        <p:spPr/>
-        <p:txBody>
-          <a:bodyPr/>
-          <a:lstStyle/>
-          <a:p>
-            <a:r>
-              <a:rPr lang="fr-FR" dirty="0" err="1"/>
-              <a:t>Github</a:t>
-            </a:r>
-            <a:r>
-              <a:rPr lang="fr-FR" dirty="0"/>
-              <a:t> </a:t>
-            </a:r>
-            <a:r>
-              <a:rPr lang="fr-FR" dirty="0" err="1"/>
-              <a:t>project</a:t>
-            </a:r>
-            <a:r>
-              <a:rPr lang="fr-FR" dirty="0"/>
-              <a:t> et User Stories</a:t>
-            </a:r>
-          </a:p>
-        </p:txBody>
-      </p:sp>
-      <p:pic>
-        <p:nvPicPr>
-          <p:cNvPr id="7" name="Image 6">
-            <a:extLst>
-              <a:ext uri="{FF2B5EF4-FFF2-40B4-BE49-F238E27FC236}">
-                <a16:creationId xmlns:a16="http://schemas.microsoft.com/office/drawing/2014/main" id="{B12A5514-E901-4B95-965C-7B02D98B571E}"/>
-              </a:ext>
-            </a:extLst>
-          </p:cNvPr>
-          <p:cNvPicPr>
-            <a:picLocks noChangeAspect="1"/>
-          </p:cNvPicPr>
-          <p:nvPr/>
-        </p:nvPicPr>
-        <p:blipFill>
-          <a:blip r:embed="rId3"/>
-          <a:stretch>
-            <a:fillRect/>
-          </a:stretch>
-        </p:blipFill>
-        <p:spPr>
-          <a:xfrm>
-            <a:off x="2853343" y="3172084"/>
-            <a:ext cx="9164405" cy="3510781"/>
+            <a:off x="2203356" y="1305761"/>
+            <a:ext cx="6254844" cy="5084750"/>
           </a:xfrm>
           <a:prstGeom prst="rect">
             <a:avLst/>
@@ -7041,7 +7377,7 @@
     </p:spTree>
     <p:extLst>
       <p:ext uri="{BB962C8B-B14F-4D97-AF65-F5344CB8AC3E}">
-        <p14:creationId xmlns:p14="http://schemas.microsoft.com/office/powerpoint/2010/main" val="4087140428"/>
+        <p14:creationId xmlns:p14="http://schemas.microsoft.com/office/powerpoint/2010/main" val="2338277770"/>
       </p:ext>
     </p:extLst>
   </p:cSld>
@@ -7073,7 +7409,7 @@
           <p:cNvPr id="2" name="Titre 1">
             <a:extLst>
               <a:ext uri="{FF2B5EF4-FFF2-40B4-BE49-F238E27FC236}">
-                <a16:creationId xmlns:a16="http://schemas.microsoft.com/office/drawing/2014/main" id="{D14B16DA-D690-4D3D-8E3F-28B528FC64A3}"/>
+                <a16:creationId xmlns:a16="http://schemas.microsoft.com/office/drawing/2014/main" id="{B4B53FDC-281D-418B-BF35-02A7E25E3BE7}"/>
               </a:ext>
             </a:extLst>
           </p:cNvPr>
@@ -7084,33 +7420,36 @@
             <p:ph type="title"/>
           </p:nvPr>
         </p:nvSpPr>
-        <p:spPr/>
+        <p:spPr>
+          <a:xfrm>
+            <a:off x="677334" y="609600"/>
+            <a:ext cx="8870078" cy="1320800"/>
+          </a:xfrm>
+        </p:spPr>
         <p:txBody>
           <a:bodyPr/>
           <a:lstStyle/>
           <a:p>
             <a:r>
               <a:rPr lang="fr-FR" dirty="0"/>
-              <a:t>Retroplanning, or reverse planning</a:t>
+              <a:t>Diagramme UML : classes pour les entités</a:t>
             </a:r>
           </a:p>
         </p:txBody>
       </p:sp>
       <p:pic>
         <p:nvPicPr>
-          <p:cNvPr id="5" name="Espace réservé du contenu 4">
+          <p:cNvPr id="6" name="Image 5">
             <a:extLst>
               <a:ext uri="{FF2B5EF4-FFF2-40B4-BE49-F238E27FC236}">
-                <a16:creationId xmlns:a16="http://schemas.microsoft.com/office/drawing/2014/main" id="{A366540F-BB8A-44BF-AD6C-EB299CC68B53}"/>
+                <a16:creationId xmlns:a16="http://schemas.microsoft.com/office/drawing/2014/main" id="{2D1C34E6-C922-4C07-A092-4E139A63B184}"/>
               </a:ext>
             </a:extLst>
           </p:cNvPr>
           <p:cNvPicPr>
-            <a:picLocks noGrp="1" noChangeAspect="1"/>
+            <a:picLocks noChangeAspect="1"/>
           </p:cNvPicPr>
-          <p:nvPr>
-            <p:ph idx="1"/>
-          </p:nvPr>
+          <p:nvPr/>
         </p:nvPicPr>
         <p:blipFill>
           <a:blip r:embed="rId2"/>
@@ -7120,15 +7459,18 @@
         </p:blipFill>
         <p:spPr>
           <a:xfrm>
-            <a:off x="504369" y="1438836"/>
-            <a:ext cx="10525505" cy="5244352"/>
+            <a:off x="354605" y="1528903"/>
+            <a:ext cx="10470295" cy="4544685"/>
           </a:xfrm>
+          <a:prstGeom prst="rect">
+            <a:avLst/>
+          </a:prstGeom>
         </p:spPr>
       </p:pic>
     </p:spTree>
     <p:extLst>
       <p:ext uri="{BB962C8B-B14F-4D97-AF65-F5344CB8AC3E}">
-        <p14:creationId xmlns:p14="http://schemas.microsoft.com/office/powerpoint/2010/main" val="2240377532"/>
+        <p14:creationId xmlns:p14="http://schemas.microsoft.com/office/powerpoint/2010/main" val="2595208957"/>
       </p:ext>
     </p:extLst>
   </p:cSld>
@@ -7388,45 +7730,12 @@
           <a:chExt cx="0" cy="0"/>
         </a:xfrm>
       </p:grpSpPr>
-      <p:sp>
-        <p:nvSpPr>
-          <p:cNvPr id="2" name="Titre 1">
+      <p:pic>
+        <p:nvPicPr>
+          <p:cNvPr id="5" name="Image 4">
             <a:extLst>
               <a:ext uri="{FF2B5EF4-FFF2-40B4-BE49-F238E27FC236}">
-                <a16:creationId xmlns:a16="http://schemas.microsoft.com/office/drawing/2014/main" id="{B4B53FDC-281D-418B-BF35-02A7E25E3BE7}"/>
-              </a:ext>
-            </a:extLst>
-          </p:cNvPr>
-          <p:cNvSpPr>
-            <a:spLocks noGrp="1"/>
-          </p:cNvSpPr>
-          <p:nvPr>
-            <p:ph type="title"/>
-          </p:nvPr>
-        </p:nvSpPr>
-        <p:spPr>
-          <a:xfrm>
-            <a:off x="677334" y="609600"/>
-            <a:ext cx="8870078" cy="1320800"/>
-          </a:xfrm>
-        </p:spPr>
-        <p:txBody>
-          <a:bodyPr/>
-          <a:lstStyle/>
-          <a:p>
-            <a:r>
-              <a:rPr lang="fr-FR" dirty="0"/>
-              <a:t>Diagramme UML : classes pour les entités</a:t>
-            </a:r>
-          </a:p>
-        </p:txBody>
-      </p:sp>
-      <p:pic>
-        <p:nvPicPr>
-          <p:cNvPr id="6" name="Image 5">
-            <a:extLst>
-              <a:ext uri="{FF2B5EF4-FFF2-40B4-BE49-F238E27FC236}">
-                <a16:creationId xmlns:a16="http://schemas.microsoft.com/office/drawing/2014/main" id="{2D1C34E6-C922-4C07-A092-4E139A63B184}"/>
+                <a16:creationId xmlns:a16="http://schemas.microsoft.com/office/drawing/2014/main" id="{B65B20DE-4002-4A52-97D9-B19429507A9E}"/>
               </a:ext>
             </a:extLst>
           </p:cNvPr>
@@ -7443,8 +7752,82 @@
         </p:blipFill>
         <p:spPr>
           <a:xfrm>
-            <a:off x="354605" y="1528903"/>
-            <a:ext cx="10470295" cy="4544685"/>
+            <a:off x="174252" y="1270000"/>
+            <a:ext cx="8040222" cy="4324954"/>
+          </a:xfrm>
+          <a:prstGeom prst="rect">
+            <a:avLst/>
+          </a:prstGeom>
+        </p:spPr>
+      </p:pic>
+      <p:sp>
+        <p:nvSpPr>
+          <p:cNvPr id="2" name="Titre 1">
+            <a:extLst>
+              <a:ext uri="{FF2B5EF4-FFF2-40B4-BE49-F238E27FC236}">
+                <a16:creationId xmlns:a16="http://schemas.microsoft.com/office/drawing/2014/main" id="{74D5D65C-36E3-411D-B38B-759ED2CDE320}"/>
+              </a:ext>
+            </a:extLst>
+          </p:cNvPr>
+          <p:cNvSpPr>
+            <a:spLocks noGrp="1"/>
+          </p:cNvSpPr>
+          <p:nvPr>
+            <p:ph type="title"/>
+          </p:nvPr>
+        </p:nvSpPr>
+        <p:spPr/>
+        <p:txBody>
+          <a:bodyPr/>
+          <a:lstStyle/>
+          <a:p>
+            <a:r>
+              <a:rPr lang="fr-FR" dirty="0"/>
+              <a:t>Gestion projet avec </a:t>
+            </a:r>
+            <a:r>
+              <a:rPr lang="fr-FR" dirty="0" err="1"/>
+              <a:t>Github</a:t>
+            </a:r>
+            <a:r>
+              <a:rPr lang="fr-FR" dirty="0"/>
+              <a:t> </a:t>
+            </a:r>
+            <a:r>
+              <a:rPr lang="fr-FR" dirty="0" err="1"/>
+              <a:t>project</a:t>
+            </a:r>
+            <a:r>
+              <a:rPr lang="fr-FR" dirty="0"/>
+              <a:t> et User Stories</a:t>
+            </a:r>
+          </a:p>
+        </p:txBody>
+      </p:sp>
+      <p:pic>
+        <p:nvPicPr>
+          <p:cNvPr id="7" name="Image 6">
+            <a:extLst>
+              <a:ext uri="{FF2B5EF4-FFF2-40B4-BE49-F238E27FC236}">
+                <a16:creationId xmlns:a16="http://schemas.microsoft.com/office/drawing/2014/main" id="{B12A5514-E901-4B95-965C-7B02D98B571E}"/>
+              </a:ext>
+            </a:extLst>
+          </p:cNvPr>
+          <p:cNvPicPr>
+            <a:picLocks noChangeAspect="1"/>
+          </p:cNvPicPr>
+          <p:nvPr/>
+        </p:nvPicPr>
+        <p:blipFill>
+          <a:blip r:embed="rId3"/>
+          <a:stretch>
+            <a:fillRect/>
+          </a:stretch>
+        </p:blipFill>
+        <p:spPr>
+          <a:xfrm>
+            <a:off x="2853343" y="3172210"/>
+            <a:ext cx="9164405" cy="3510781"/>
           </a:xfrm>
           <a:prstGeom prst="rect">
             <a:avLst/>
@@ -7454,7 +7837,7 @@
     </p:spTree>
     <p:extLst>
       <p:ext uri="{BB962C8B-B14F-4D97-AF65-F5344CB8AC3E}">
-        <p14:creationId xmlns:p14="http://schemas.microsoft.com/office/powerpoint/2010/main" val="2595208957"/>
+        <p14:creationId xmlns:p14="http://schemas.microsoft.com/office/powerpoint/2010/main" val="4087140428"/>
       </p:ext>
     </p:extLst>
   </p:cSld>
@@ -7486,7 +7869,7 @@
           <p:cNvPr id="2" name="Titre 1">
             <a:extLst>
               <a:ext uri="{FF2B5EF4-FFF2-40B4-BE49-F238E27FC236}">
-                <a16:creationId xmlns:a16="http://schemas.microsoft.com/office/drawing/2014/main" id="{0B5F536E-6BBD-4BFD-A573-11AE1BE8CEB0}"/>
+                <a16:creationId xmlns:a16="http://schemas.microsoft.com/office/drawing/2014/main" id="{D14B16DA-D690-4D3D-8E3F-28B528FC64A3}"/>
               </a:ext>
             </a:extLst>
           </p:cNvPr>
@@ -7497,73 +7880,51 @@
             <p:ph type="title"/>
           </p:nvPr>
         </p:nvSpPr>
-        <p:spPr>
-          <a:xfrm>
-            <a:off x="220134" y="394447"/>
-            <a:ext cx="8596668" cy="1320800"/>
-          </a:xfrm>
-        </p:spPr>
-        <p:txBody>
-          <a:bodyPr>
-            <a:normAutofit/>
-          </a:bodyPr>
+        <p:spPr/>
+        <p:txBody>
+          <a:bodyPr/>
           <a:lstStyle/>
           <a:p>
             <a:r>
-              <a:rPr lang="fr-FR" sz="2800" dirty="0"/>
-              <a:t>Wireframe de la 2</a:t>
-            </a:r>
-            <a:r>
-              <a:rPr lang="fr-FR" sz="2800" baseline="30000" dirty="0"/>
-              <a:t>ème</a:t>
-            </a:r>
-            <a:r>
-              <a:rPr lang="fr-FR" sz="2800" dirty="0"/>
-              <a:t> page, choix entre recherche et rédaction de contenu :</a:t>
+              <a:rPr lang="fr-FR" dirty="0"/>
+              <a:t>Retroplanning / reverse planning</a:t>
             </a:r>
           </a:p>
         </p:txBody>
       </p:sp>
       <p:pic>
         <p:nvPicPr>
-          <p:cNvPr id="13" name="Image 12">
+          <p:cNvPr id="5" name="Espace réservé du contenu 4">
             <a:extLst>
               <a:ext uri="{FF2B5EF4-FFF2-40B4-BE49-F238E27FC236}">
-                <a16:creationId xmlns:a16="http://schemas.microsoft.com/office/drawing/2014/main" id="{116E19BE-CDB6-4809-8458-00BCCD5E4ADB}"/>
+                <a16:creationId xmlns:a16="http://schemas.microsoft.com/office/drawing/2014/main" id="{A366540F-BB8A-44BF-AD6C-EB299CC68B53}"/>
               </a:ext>
             </a:extLst>
           </p:cNvPr>
           <p:cNvPicPr>
-            <a:picLocks noChangeAspect="1"/>
+            <a:picLocks noGrp="1" noChangeAspect="1"/>
           </p:cNvPicPr>
-          <p:nvPr/>
+          <p:nvPr>
+            <p:ph idx="1"/>
+          </p:nvPr>
         </p:nvPicPr>
         <p:blipFill>
-          <a:blip r:embed="rId2">
-            <a:extLst>
-              <a:ext uri="{28A0092B-C50C-407E-A947-70E740481C1C}">
-                <a14:useLocalDpi xmlns:a14="http://schemas.microsoft.com/office/drawing/2010/main" val="0"/>
-              </a:ext>
-            </a:extLst>
-          </a:blip>
+          <a:blip r:embed="rId2"/>
           <a:stretch>
             <a:fillRect/>
           </a:stretch>
         </p:blipFill>
         <p:spPr>
           <a:xfrm>
-            <a:off x="1901016" y="1391024"/>
-            <a:ext cx="7472095" cy="5299002"/>
+            <a:off x="504369" y="1438836"/>
+            <a:ext cx="10525505" cy="5244352"/>
           </a:xfrm>
-          <a:prstGeom prst="rect">
-            <a:avLst/>
-          </a:prstGeom>
         </p:spPr>
       </p:pic>
     </p:spTree>
     <p:extLst>
       <p:ext uri="{BB962C8B-B14F-4D97-AF65-F5344CB8AC3E}">
-        <p14:creationId xmlns:p14="http://schemas.microsoft.com/office/powerpoint/2010/main" val="2446321090"/>
+        <p14:creationId xmlns:p14="http://schemas.microsoft.com/office/powerpoint/2010/main" val="2240377532"/>
       </p:ext>
     </p:extLst>
   </p:cSld>
@@ -7595,7 +7956,7 @@
           <p:cNvPr id="2" name="Titre 1">
             <a:extLst>
               <a:ext uri="{FF2B5EF4-FFF2-40B4-BE49-F238E27FC236}">
-                <a16:creationId xmlns:a16="http://schemas.microsoft.com/office/drawing/2014/main" id="{1F3414F6-4F7B-4EB9-BE88-F3AEF7B0FB27}"/>
+                <a16:creationId xmlns:a16="http://schemas.microsoft.com/office/drawing/2014/main" id="{4E40818B-7F5C-4086-9E62-3CB8C2D7CC61}"/>
               </a:ext>
             </a:extLst>
           </p:cNvPr>
@@ -7614,7 +7975,7 @@
             <a:pPr algn="ctr"/>
             <a:r>
               <a:rPr lang="fr-FR" dirty="0"/>
-              <a:t>Présentation personnelle</a:t>
+              <a:t>Remerciements</a:t>
             </a:r>
           </a:p>
         </p:txBody>
@@ -7624,7 +7985,7 @@
           <p:cNvPr id="3" name="Espace réservé du contenu 2">
             <a:extLst>
               <a:ext uri="{FF2B5EF4-FFF2-40B4-BE49-F238E27FC236}">
-                <a16:creationId xmlns:a16="http://schemas.microsoft.com/office/drawing/2014/main" id="{93A17A42-56B1-4E9E-BE7F-18B75FD774EA}"/>
+                <a16:creationId xmlns:a16="http://schemas.microsoft.com/office/drawing/2014/main" id="{27DA0404-CC12-450D-8176-D3BE48BE6AEC}"/>
               </a:ext>
             </a:extLst>
           </p:cNvPr>
@@ -7635,24 +7996,17 @@
             <p:ph idx="1"/>
           </p:nvPr>
         </p:nvSpPr>
-        <p:spPr>
-          <a:xfrm>
-            <a:off x="677334" y="2160261"/>
-            <a:ext cx="9017995" cy="4563268"/>
-          </a:xfrm>
-        </p:spPr>
-        <p:txBody>
-          <a:bodyPr>
-            <a:normAutofit/>
-          </a:bodyPr>
+        <p:spPr/>
+        <p:txBody>
+          <a:bodyPr/>
           <a:lstStyle/>
           <a:p>
             <a:pPr marL="0" indent="0" algn="just">
               <a:buNone/>
             </a:pPr>
             <a:r>
-              <a:rPr lang="fr-FR" sz="2000" dirty="0"/>
-              <a:t>Bonjour, je m’appelle Déborah, j’ai suivi le cours Conception et Développement d’Application car ce cours répond à mon souhait de reconversion professionnelle. </a:t>
+              <a:rPr lang="fr-FR" dirty="0"/>
+              <a:t>Je tiens à remercier toute l’équipe de G2R et tous mes collègues de formation, qui m’ont aidé à progresser dans un domaine nouveaux pour moi. </a:t>
             </a:r>
           </a:p>
           <a:p>
@@ -7660,26 +8014,8 @@
               <a:buNone/>
             </a:pPr>
             <a:r>
-              <a:rPr lang="fr-FR" sz="2000" dirty="0"/>
-              <a:t>Diplômée en Lettres Modernes il y a bien des années, j’ai toujours préféré travailler à l’ordinateur qu’enseigner. Dont mes plusieurs postes d’Assistante de direction ou d’équipe.</a:t>
-            </a:r>
-          </a:p>
-          <a:p>
-            <a:pPr marL="0" indent="0" algn="just">
-              <a:buNone/>
-            </a:pPr>
-            <a:r>
-              <a:rPr lang="fr-FR" sz="2000" dirty="0"/>
-              <a:t>J’ai peu touché au numérique dans mes expériences de travail, sauf pour trois ans passés à mettre à jour les sites multilingue de la compagnie aérienne Emirates. Une année et demi en tant qu’intégrateur web et ensuite comme chef de projet de toutes les nouvelles sections. </a:t>
-            </a:r>
-          </a:p>
-          <a:p>
-            <a:pPr marL="0" indent="0" algn="just">
-              <a:buNone/>
-            </a:pPr>
-            <a:r>
-              <a:rPr lang="fr-FR" sz="2000" dirty="0"/>
-              <a:t>Aujourd’hui je souhaite poursuivre travailler dans le domaine qui me passionne : le monde de l’internet et mon but c’est me spécialiser sur le back end. Cette formation va m’en donner les moyens. </a:t>
+              <a:rPr lang="fr-FR" dirty="0"/>
+              <a:t>Je souhaite aussi remercier mes proches, qui m’ont soutenue dans ma démarche de reconversion, mes amis avec leurs conseils et encouragements et toutes les personnes qui avec leur exemple ont montré que tout est possible. </a:t>
             </a:r>
           </a:p>
         </p:txBody>
@@ -7687,7 +8023,7 @@
     </p:spTree>
     <p:extLst>
       <p:ext uri="{BB962C8B-B14F-4D97-AF65-F5344CB8AC3E}">
-        <p14:creationId xmlns:p14="http://schemas.microsoft.com/office/powerpoint/2010/main" val="2636539796"/>
+        <p14:creationId xmlns:p14="http://schemas.microsoft.com/office/powerpoint/2010/main" val="3145568526"/>
       </p:ext>
     </p:extLst>
   </p:cSld>
@@ -7744,7 +8080,7 @@
           <a:p>
             <a:r>
               <a:rPr lang="fr-FR" sz="2800" dirty="0"/>
-              <a:t>Wireframe de la 3</a:t>
+              <a:t>Wireframe de la 2</a:t>
             </a:r>
             <a:r>
               <a:rPr lang="fr-FR" sz="2800" baseline="30000" dirty="0"/>
@@ -7752,17 +8088,17 @@
             </a:r>
             <a:r>
               <a:rPr lang="fr-FR" sz="2800" dirty="0"/>
-              <a:t> page, sélection du contenu recherché par mots clés :</a:t>
+              <a:t> page, choix entre recherche et rédaction de contenu :</a:t>
             </a:r>
           </a:p>
         </p:txBody>
       </p:sp>
       <p:pic>
         <p:nvPicPr>
-          <p:cNvPr id="5" name="Image 4">
+          <p:cNvPr id="9" name="Image 8">
             <a:extLst>
               <a:ext uri="{FF2B5EF4-FFF2-40B4-BE49-F238E27FC236}">
-                <a16:creationId xmlns:a16="http://schemas.microsoft.com/office/drawing/2014/main" id="{F398C5DD-4364-4D50-8850-4282A864477F}"/>
+                <a16:creationId xmlns:a16="http://schemas.microsoft.com/office/drawing/2014/main" id="{9544ED8D-E7D8-4CFF-A5C1-9BC57CEA6DA8}"/>
               </a:ext>
             </a:extLst>
           </p:cNvPr>
@@ -7785,8 +8121,8 @@
         </p:blipFill>
         <p:spPr>
           <a:xfrm>
-            <a:off x="2685551" y="1819101"/>
-            <a:ext cx="6820898" cy="4837192"/>
+            <a:off x="1230338" y="1550782"/>
+            <a:ext cx="8285711" cy="5105511"/>
           </a:xfrm>
           <a:prstGeom prst="rect">
             <a:avLst/>
@@ -7796,7 +8132,7 @@
     </p:spTree>
     <p:extLst>
       <p:ext uri="{BB962C8B-B14F-4D97-AF65-F5344CB8AC3E}">
-        <p14:creationId xmlns:p14="http://schemas.microsoft.com/office/powerpoint/2010/main" val="3755047699"/>
+        <p14:creationId xmlns:p14="http://schemas.microsoft.com/office/powerpoint/2010/main" val="2446321090"/>
       </p:ext>
     </p:extLst>
   </p:cSld>
@@ -7828,7 +8164,7 @@
           <p:cNvPr id="2" name="Titre 1">
             <a:extLst>
               <a:ext uri="{FF2B5EF4-FFF2-40B4-BE49-F238E27FC236}">
-                <a16:creationId xmlns:a16="http://schemas.microsoft.com/office/drawing/2014/main" id="{CDF19B0E-1D3A-4186-80B2-9DBAC9D29A0D}"/>
+                <a16:creationId xmlns:a16="http://schemas.microsoft.com/office/drawing/2014/main" id="{0B5F536E-6BBD-4BFD-A573-11AE1BE8CEB0}"/>
               </a:ext>
             </a:extLst>
           </p:cNvPr>
@@ -7839,32 +8175,39 @@
             <p:ph type="title"/>
           </p:nvPr>
         </p:nvSpPr>
-        <p:spPr/>
-        <p:txBody>
-          <a:bodyPr/>
+        <p:spPr>
+          <a:xfrm>
+            <a:off x="220134" y="394447"/>
+            <a:ext cx="8596668" cy="1320800"/>
+          </a:xfrm>
+        </p:spPr>
+        <p:txBody>
+          <a:bodyPr>
+            <a:normAutofit/>
+          </a:bodyPr>
           <a:lstStyle/>
           <a:p>
             <a:r>
-              <a:rPr lang="fr-FR" dirty="0"/>
-              <a:t>Maquette de la 2</a:t>
-            </a:r>
-            <a:r>
-              <a:rPr lang="fr-FR" baseline="30000" dirty="0"/>
+              <a:rPr lang="fr-FR" sz="2800" dirty="0"/>
+              <a:t>Wireframe de la 3</a:t>
+            </a:r>
+            <a:r>
+              <a:rPr lang="fr-FR" sz="2800" baseline="30000" dirty="0"/>
               <a:t>ème</a:t>
             </a:r>
             <a:r>
-              <a:rPr lang="fr-FR" dirty="0"/>
-              <a:t> page :</a:t>
+              <a:rPr lang="fr-FR" sz="2800" dirty="0"/>
+              <a:t> page, sélection du contenu recherché par mots clés :</a:t>
             </a:r>
           </a:p>
         </p:txBody>
       </p:sp>
       <p:pic>
         <p:nvPicPr>
-          <p:cNvPr id="4" name="Image 3">
+          <p:cNvPr id="11" name="Image 10">
             <a:extLst>
               <a:ext uri="{FF2B5EF4-FFF2-40B4-BE49-F238E27FC236}">
-                <a16:creationId xmlns:a16="http://schemas.microsoft.com/office/drawing/2014/main" id="{783A2AC2-7D77-481D-B32B-2E0A1D25EBCE}"/>
+                <a16:creationId xmlns:a16="http://schemas.microsoft.com/office/drawing/2014/main" id="{322E271E-DF9C-4445-870B-AA2BA60B42DF}"/>
               </a:ext>
             </a:extLst>
           </p:cNvPr>
@@ -7874,21 +8217,15 @@
           <p:nvPr/>
         </p:nvPicPr>
         <p:blipFill>
-          <a:blip r:embed="rId2">
-            <a:extLst>
-              <a:ext uri="{28A0092B-C50C-407E-A947-70E740481C1C}">
-                <a14:useLocalDpi xmlns:a14="http://schemas.microsoft.com/office/drawing/2010/main" val="0"/>
-              </a:ext>
-            </a:extLst>
-          </a:blip>
+          <a:blip r:embed="rId2"/>
           <a:stretch>
             <a:fillRect/>
           </a:stretch>
         </p:blipFill>
         <p:spPr>
           <a:xfrm>
-            <a:off x="1125948" y="1234183"/>
-            <a:ext cx="7816345" cy="5543135"/>
+            <a:off x="1189955" y="1506565"/>
+            <a:ext cx="8279086" cy="5108891"/>
           </a:xfrm>
           <a:prstGeom prst="rect">
             <a:avLst/>
@@ -7898,7 +8235,7 @@
     </p:spTree>
     <p:extLst>
       <p:ext uri="{BB962C8B-B14F-4D97-AF65-F5344CB8AC3E}">
-        <p14:creationId xmlns:p14="http://schemas.microsoft.com/office/powerpoint/2010/main" val="2360688688"/>
+        <p14:creationId xmlns:p14="http://schemas.microsoft.com/office/powerpoint/2010/main" val="3755047699"/>
       </p:ext>
     </p:extLst>
   </p:cSld>
@@ -7930,7 +8267,7 @@
           <p:cNvPr id="2" name="Titre 1">
             <a:extLst>
               <a:ext uri="{FF2B5EF4-FFF2-40B4-BE49-F238E27FC236}">
-                <a16:creationId xmlns:a16="http://schemas.microsoft.com/office/drawing/2014/main" id="{4E40818B-7F5C-4086-9E62-3CB8C2D7CC61}"/>
+                <a16:creationId xmlns:a16="http://schemas.microsoft.com/office/drawing/2014/main" id="{CDF19B0E-1D3A-4186-80B2-9DBAC9D29A0D}"/>
               </a:ext>
             </a:extLst>
           </p:cNvPr>
@@ -7946,58 +8283,61 @@
           <a:bodyPr/>
           <a:lstStyle/>
           <a:p>
-            <a:pPr algn="ctr"/>
             <a:r>
               <a:rPr lang="fr-FR" dirty="0"/>
-              <a:t>Remerciements</a:t>
-            </a:r>
-          </a:p>
-        </p:txBody>
-      </p:sp>
-      <p:sp>
-        <p:nvSpPr>
-          <p:cNvPr id="3" name="Espace réservé du contenu 2">
+              <a:t>Maquette de la 2</a:t>
+            </a:r>
+            <a:r>
+              <a:rPr lang="fr-FR" baseline="30000" dirty="0"/>
+              <a:t>ème</a:t>
+            </a:r>
+            <a:r>
+              <a:rPr lang="fr-FR" dirty="0"/>
+              <a:t> page :</a:t>
+            </a:r>
+          </a:p>
+        </p:txBody>
+      </p:sp>
+      <p:pic>
+        <p:nvPicPr>
+          <p:cNvPr id="13" name="Image 12">
             <a:extLst>
               <a:ext uri="{FF2B5EF4-FFF2-40B4-BE49-F238E27FC236}">
-                <a16:creationId xmlns:a16="http://schemas.microsoft.com/office/drawing/2014/main" id="{27DA0404-CC12-450D-8176-D3BE48BE6AEC}"/>
+                <a16:creationId xmlns:a16="http://schemas.microsoft.com/office/drawing/2014/main" id="{5F2A60E4-6DF8-48A2-A65C-09F75601F228}"/>
               </a:ext>
             </a:extLst>
           </p:cNvPr>
-          <p:cNvSpPr>
-            <a:spLocks noGrp="1"/>
-          </p:cNvSpPr>
-          <p:nvPr>
-            <p:ph idx="1"/>
-          </p:nvPr>
-        </p:nvSpPr>
-        <p:spPr/>
-        <p:txBody>
-          <a:bodyPr/>
-          <a:lstStyle/>
-          <a:p>
-            <a:pPr marL="0" indent="0" algn="just">
-              <a:buNone/>
-            </a:pPr>
-            <a:r>
-              <a:rPr lang="fr-FR" dirty="0"/>
-              <a:t>Je tiens à remercier toute l’équipe de G2R et tous mes collègues de formation, qui m’ont aidé à progresser dans un domaine nouveaux pour moi. </a:t>
-            </a:r>
-          </a:p>
-          <a:p>
-            <a:pPr marL="0" indent="0" algn="just">
-              <a:buNone/>
-            </a:pPr>
-            <a:r>
-              <a:rPr lang="fr-FR" dirty="0"/>
-              <a:t>Je souhaite aussi remercier mes proches, qui m’ont soutenue dans ma démarche de reconversion, mes amis avec leurs conseils et encouragements et toutes les personnes qui avec leur exemple ont montré que tout est possible. </a:t>
-            </a:r>
-          </a:p>
-        </p:txBody>
-      </p:sp>
+          <p:cNvPicPr>
+            <a:picLocks noChangeAspect="1"/>
+          </p:cNvPicPr>
+          <p:nvPr/>
+        </p:nvPicPr>
+        <p:blipFill>
+          <a:blip r:embed="rId2">
+            <a:extLst>
+              <a:ext uri="{28A0092B-C50C-407E-A947-70E740481C1C}">
+                <a14:useLocalDpi xmlns:a14="http://schemas.microsoft.com/office/drawing/2010/main" val="0"/>
+              </a:ext>
+            </a:extLst>
+          </a:blip>
+          <a:stretch>
+            <a:fillRect/>
+          </a:stretch>
+        </p:blipFill>
+        <p:spPr>
+          <a:xfrm>
+            <a:off x="784911" y="1318606"/>
+            <a:ext cx="8627301" cy="5167555"/>
+          </a:xfrm>
+          <a:prstGeom prst="rect">
+            <a:avLst/>
+          </a:prstGeom>
+        </p:spPr>
+      </p:pic>
     </p:spTree>
     <p:extLst>
       <p:ext uri="{BB962C8B-B14F-4D97-AF65-F5344CB8AC3E}">
-        <p14:creationId xmlns:p14="http://schemas.microsoft.com/office/powerpoint/2010/main" val="3145568526"/>
+        <p14:creationId xmlns:p14="http://schemas.microsoft.com/office/powerpoint/2010/main" val="2360688688"/>
       </p:ext>
     </p:extLst>
   </p:cSld>
@@ -8120,6 +8460,129 @@
           <p:cNvPr id="2" name="Titre 1">
             <a:extLst>
               <a:ext uri="{FF2B5EF4-FFF2-40B4-BE49-F238E27FC236}">
+                <a16:creationId xmlns:a16="http://schemas.microsoft.com/office/drawing/2014/main" id="{1F3414F6-4F7B-4EB9-BE88-F3AEF7B0FB27}"/>
+              </a:ext>
+            </a:extLst>
+          </p:cNvPr>
+          <p:cNvSpPr>
+            <a:spLocks noGrp="1"/>
+          </p:cNvSpPr>
+          <p:nvPr>
+            <p:ph type="title"/>
+          </p:nvPr>
+        </p:nvSpPr>
+        <p:spPr/>
+        <p:txBody>
+          <a:bodyPr/>
+          <a:lstStyle/>
+          <a:p>
+            <a:pPr algn="ctr"/>
+            <a:r>
+              <a:rPr lang="fr-FR" dirty="0"/>
+              <a:t>Présentation personnelle</a:t>
+            </a:r>
+          </a:p>
+        </p:txBody>
+      </p:sp>
+      <p:sp>
+        <p:nvSpPr>
+          <p:cNvPr id="3" name="Espace réservé du contenu 2">
+            <a:extLst>
+              <a:ext uri="{FF2B5EF4-FFF2-40B4-BE49-F238E27FC236}">
+                <a16:creationId xmlns:a16="http://schemas.microsoft.com/office/drawing/2014/main" id="{93A17A42-56B1-4E9E-BE7F-18B75FD774EA}"/>
+              </a:ext>
+            </a:extLst>
+          </p:cNvPr>
+          <p:cNvSpPr>
+            <a:spLocks noGrp="1"/>
+          </p:cNvSpPr>
+          <p:nvPr>
+            <p:ph idx="1"/>
+          </p:nvPr>
+        </p:nvSpPr>
+        <p:spPr>
+          <a:xfrm>
+            <a:off x="677334" y="2160261"/>
+            <a:ext cx="9017995" cy="4563268"/>
+          </a:xfrm>
+        </p:spPr>
+        <p:txBody>
+          <a:bodyPr>
+            <a:normAutofit/>
+          </a:bodyPr>
+          <a:lstStyle/>
+          <a:p>
+            <a:pPr marL="0" indent="0" algn="just">
+              <a:buNone/>
+            </a:pPr>
+            <a:r>
+              <a:rPr lang="fr-FR" sz="2000" dirty="0"/>
+              <a:t>Bonjour, je m’appelle Déborah, j’ai suivi le cours Conception et Développement d’Application car ce cours répond à mon souhait de reconversion professionnelle. </a:t>
+            </a:r>
+          </a:p>
+          <a:p>
+            <a:pPr marL="0" indent="0" algn="just">
+              <a:buNone/>
+            </a:pPr>
+            <a:r>
+              <a:rPr lang="fr-FR" sz="2000" dirty="0"/>
+              <a:t>Diplômée en Lettres Modernes, j’ai toujours préféré travailler à l’ordinateur que tout autre travail. Dont mes plusieurs postes d’Assistante de direction ou d’équipe.</a:t>
+            </a:r>
+          </a:p>
+          <a:p>
+            <a:pPr marL="0" indent="0" algn="just">
+              <a:buNone/>
+            </a:pPr>
+            <a:r>
+              <a:rPr lang="fr-FR" sz="2000" dirty="0"/>
+              <a:t>J’ai passé trois ans à mettre à jour les sites multilingue (Emirates </a:t>
+            </a:r>
+            <a:r>
+              <a:rPr lang="fr-FR" sz="2000" dirty="0" err="1"/>
+              <a:t>airlines</a:t>
+            </a:r>
+            <a:r>
+              <a:rPr lang="fr-FR" sz="2000" dirty="0"/>
+              <a:t>). Une expérience qui m’a beaucoup passionné et qui a conforté mon souhait de travailler sur l’Internet.</a:t>
+            </a:r>
+          </a:p>
+        </p:txBody>
+      </p:sp>
+    </p:spTree>
+    <p:extLst>
+      <p:ext uri="{BB962C8B-B14F-4D97-AF65-F5344CB8AC3E}">
+        <p14:creationId xmlns:p14="http://schemas.microsoft.com/office/powerpoint/2010/main" val="2636539796"/>
+      </p:ext>
+    </p:extLst>
+  </p:cSld>
+  <p:clrMapOvr>
+    <a:masterClrMapping/>
+  </p:clrMapOvr>
+</p:sld>
+</file>
+
+<file path=ppt/slides/slide4.xml><?xml version="1.0" encoding="utf-8"?>
+<p:sld xmlns:a="http://schemas.openxmlformats.org/drawingml/2006/main" xmlns:r="http://schemas.openxmlformats.org/officeDocument/2006/relationships" xmlns:p="http://schemas.openxmlformats.org/presentationml/2006/main">
+  <p:cSld>
+    <p:spTree>
+      <p:nvGrpSpPr>
+        <p:cNvPr id="1" name=""/>
+        <p:cNvGrpSpPr/>
+        <p:nvPr/>
+      </p:nvGrpSpPr>
+      <p:grpSpPr>
+        <a:xfrm>
+          <a:off x="0" y="0"/>
+          <a:ext cx="0" cy="0"/>
+          <a:chOff x="0" y="0"/>
+          <a:chExt cx="0" cy="0"/>
+        </a:xfrm>
+      </p:grpSpPr>
+      <p:sp>
+        <p:nvSpPr>
+          <p:cNvPr id="2" name="Titre 1">
+            <a:extLst>
+              <a:ext uri="{FF2B5EF4-FFF2-40B4-BE49-F238E27FC236}">
                 <a16:creationId xmlns:a16="http://schemas.microsoft.com/office/drawing/2014/main" id="{77665950-1050-4F1F-8E51-C69063E15FBB}"/>
               </a:ext>
             </a:extLst>
@@ -8161,8 +8624,8 @@
         </p:nvSpPr>
         <p:spPr>
           <a:xfrm>
-            <a:off x="677334" y="1586754"/>
-            <a:ext cx="8596668" cy="4468056"/>
+            <a:off x="741296" y="1780344"/>
+            <a:ext cx="8023321" cy="4468056"/>
           </a:xfrm>
         </p:spPr>
         <p:txBody>
@@ -8175,31 +8638,35 @@
               <a:buNone/>
             </a:pPr>
             <a:r>
-              <a:rPr lang="fr-FR" sz="2000" dirty="0"/>
+              <a:rPr lang="fr-FR" sz="2800" dirty="0"/>
               <a:t>Une association de voyageurs indépendants, The </a:t>
             </a:r>
             <a:r>
-              <a:rPr lang="fr-FR" sz="2000" dirty="0" err="1"/>
+              <a:rPr lang="fr-FR" sz="2800" dirty="0" err="1"/>
               <a:t>Gl</a:t>
             </a:r>
             <a:r>
-              <a:rPr lang="fr-FR" sz="2000" dirty="0"/>
+              <a:rPr lang="fr-FR" sz="2800" dirty="0">
+                <a:solidFill>
+                  <a:schemeClr val="tx1"/>
+                </a:solidFill>
+              </a:rPr>
               <a:t>🌐</a:t>
             </a:r>
             <a:r>
-              <a:rPr lang="fr-FR" sz="2000" dirty="0" err="1"/>
+              <a:rPr lang="fr-FR" sz="2800" dirty="0" err="1"/>
               <a:t>betrotters</a:t>
             </a:r>
             <a:r>
-              <a:rPr lang="fr-FR" sz="2000" dirty="0"/>
+              <a:rPr lang="fr-FR" sz="2800" dirty="0"/>
               <a:t>,</a:t>
             </a:r>
             <a:r>
-              <a:rPr lang="hy-AM" sz="2000" dirty="0"/>
+              <a:rPr lang="hy-AM" sz="2800" dirty="0"/>
               <a:t> </a:t>
             </a:r>
             <a:r>
-              <a:rPr lang="fr-FR" sz="2000" dirty="0"/>
+              <a:rPr lang="fr-FR" sz="2800" dirty="0"/>
               <a:t>souhaite créer un blog interactif où tous ceux qui sont passionnés de voyage puissent partager leurs expériences, commenter celles des autres ou simplement visiter à la recherche d’informations. </a:t>
             </a:r>
           </a:p>
@@ -8208,26 +8675,8 @@
               <a:buNone/>
             </a:pPr>
             <a:r>
-              <a:rPr lang="fr-FR" sz="2000" dirty="0"/>
+              <a:rPr lang="fr-FR" sz="2800" dirty="0"/>
               <a:t>Le blog a vocation à devenir une vraie aide pour tous ceux qui ont besoin de se renseigner avant ou même après leur départ. </a:t>
-            </a:r>
-          </a:p>
-          <a:p>
-            <a:pPr marL="0" indent="0" algn="just">
-              <a:buNone/>
-            </a:pPr>
-            <a:r>
-              <a:rPr lang="fr-FR" sz="2000" dirty="0"/>
-              <a:t>En fait aujourd’hui tout voyageur, indépendant ou pas, consacre beaucoup de temps à la recherche en ligne des informations sur le pays ou la ville qu’il souhaite visiter, sur les attractions, les endroits les plus intéressants, les itinéraires plus efficaces, etc.</a:t>
-            </a:r>
-          </a:p>
-          <a:p>
-            <a:pPr marL="0" indent="0" algn="just">
-              <a:buNone/>
-            </a:pPr>
-            <a:r>
-              <a:rPr lang="fr-FR" sz="2000" dirty="0"/>
-              <a:t>Un site d’échange fait de voyageurs pour les voyageurs pourrait constituer une petite plateforme de partage des connaissances, un réseau social pour voyageurs. </a:t>
             </a:r>
           </a:p>
         </p:txBody>
@@ -8245,7 +8694,7 @@
 </p:sld>
 </file>
 
-<file path=ppt/slides/slide4.xml><?xml version="1.0" encoding="utf-8"?>
+<file path=ppt/slides/slide5.xml><?xml version="1.0" encoding="utf-8"?>
 <p:sld xmlns:a="http://schemas.openxmlformats.org/drawingml/2006/main" xmlns:r="http://schemas.openxmlformats.org/officeDocument/2006/relationships" xmlns:p="http://schemas.openxmlformats.org/presentationml/2006/main">
   <p:cSld>
     <p:spTree>
@@ -8412,7 +8861,7 @@
 </p:sld>
 </file>
 
-<file path=ppt/slides/slide5.xml><?xml version="1.0" encoding="utf-8"?>
+<file path=ppt/slides/slide6.xml><?xml version="1.0" encoding="utf-8"?>
 <p:sld xmlns:a="http://schemas.openxmlformats.org/drawingml/2006/main" xmlns:r="http://schemas.openxmlformats.org/officeDocument/2006/relationships" xmlns:p="http://schemas.openxmlformats.org/presentationml/2006/main">
   <p:cSld>
     <p:spTree>
@@ -8589,7 +9038,7 @@
 </p:sld>
 </file>
 
-<file path=ppt/slides/slide6.xml><?xml version="1.0" encoding="utf-8"?>
+<file path=ppt/slides/slide7.xml><?xml version="1.0" encoding="utf-8"?>
 <p:sld xmlns:a="http://schemas.openxmlformats.org/drawingml/2006/main" xmlns:r="http://schemas.openxmlformats.org/officeDocument/2006/relationships" xmlns:p="http://schemas.openxmlformats.org/presentationml/2006/main">
   <p:cSld>
     <p:spTree>
@@ -8763,192 +9212,6 @@
 </p:sld>
 </file>
 
-<file path=ppt/slides/slide7.xml><?xml version="1.0" encoding="utf-8"?>
-<p:sld xmlns:a="http://schemas.openxmlformats.org/drawingml/2006/main" xmlns:r="http://schemas.openxmlformats.org/officeDocument/2006/relationships" xmlns:p="http://schemas.openxmlformats.org/presentationml/2006/main">
-  <p:cSld>
-    <p:spTree>
-      <p:nvGrpSpPr>
-        <p:cNvPr id="1" name=""/>
-        <p:cNvGrpSpPr/>
-        <p:nvPr/>
-      </p:nvGrpSpPr>
-      <p:grpSpPr>
-        <a:xfrm>
-          <a:off x="0" y="0"/>
-          <a:ext cx="0" cy="0"/>
-          <a:chOff x="0" y="0"/>
-          <a:chExt cx="0" cy="0"/>
-        </a:xfrm>
-      </p:grpSpPr>
-      <p:sp>
-        <p:nvSpPr>
-          <p:cNvPr id="2" name="Titre 1">
-            <a:extLst>
-              <a:ext uri="{FF2B5EF4-FFF2-40B4-BE49-F238E27FC236}">
-                <a16:creationId xmlns:a16="http://schemas.microsoft.com/office/drawing/2014/main" id="{36313FA3-3C04-4560-95C4-8E5592E141F9}"/>
-              </a:ext>
-            </a:extLst>
-          </p:cNvPr>
-          <p:cNvSpPr>
-            <a:spLocks noGrp="1"/>
-          </p:cNvSpPr>
-          <p:nvPr>
-            <p:ph type="title"/>
-          </p:nvPr>
-        </p:nvSpPr>
-        <p:spPr>
-          <a:xfrm>
-            <a:off x="663887" y="676834"/>
-            <a:ext cx="9206254" cy="4903695"/>
-          </a:xfrm>
-        </p:spPr>
-        <p:txBody>
-          <a:bodyPr>
-            <a:normAutofit fontScale="90000"/>
-          </a:bodyPr>
-          <a:lstStyle/>
-          <a:p>
-            <a:pPr algn="ctr"/>
-            <a:r>
-              <a:rPr lang="fr-FR" dirty="0"/>
-              <a:t>Expression des besoins</a:t>
-            </a:r>
-            <a:br>
-              <a:rPr lang="fr-FR" dirty="0"/>
-            </a:br>
-            <a:br>
-              <a:rPr lang="fr-FR" sz="2000" dirty="0">
-                <a:solidFill>
-                  <a:schemeClr val="tx1">
-                    <a:lumMod val="75000"/>
-                    <a:lumOff val="25000"/>
-                  </a:schemeClr>
-                </a:solidFill>
-                <a:latin typeface="+mn-lt"/>
-                <a:ea typeface="+mn-ea"/>
-                <a:cs typeface="+mn-cs"/>
-              </a:rPr>
-            </a:br>
-            <a:r>
-              <a:rPr lang="fr-FR" sz="3100" dirty="0">
-                <a:solidFill>
-                  <a:schemeClr val="tx1">
-                    <a:lumMod val="75000"/>
-                    <a:lumOff val="25000"/>
-                  </a:schemeClr>
-                </a:solidFill>
-                <a:latin typeface="+mn-lt"/>
-                <a:ea typeface="+mn-ea"/>
-                <a:cs typeface="+mn-cs"/>
-              </a:rPr>
-              <a:t>Les utilisateurs du site s’y rendent pour trouver ou partager des informations, comme des vols moins chers ou des itinéraires ou hôtels/auberges moins coûteux. </a:t>
-            </a:r>
-            <a:br>
-              <a:rPr lang="fr-FR" sz="3100" dirty="0">
-                <a:solidFill>
-                  <a:schemeClr val="tx1">
-                    <a:lumMod val="75000"/>
-                    <a:lumOff val="25000"/>
-                  </a:schemeClr>
-                </a:solidFill>
-                <a:latin typeface="+mn-lt"/>
-                <a:ea typeface="+mn-ea"/>
-                <a:cs typeface="+mn-cs"/>
-              </a:rPr>
-            </a:br>
-            <a:r>
-              <a:rPr lang="fr-FR" sz="3100" dirty="0">
-                <a:solidFill>
-                  <a:schemeClr val="tx1">
-                    <a:lumMod val="75000"/>
-                    <a:lumOff val="25000"/>
-                  </a:schemeClr>
-                </a:solidFill>
-                <a:latin typeface="+mn-lt"/>
-                <a:ea typeface="+mn-ea"/>
-                <a:cs typeface="+mn-cs"/>
-              </a:rPr>
-              <a:t>Les fonctionnalités primordiales doivent cependant pointer sur une recherche simple et rapide ainsi qu’une manière claire pour créer des contenus, soient ils articles, commentaires ou photos.</a:t>
-            </a:r>
-            <a:br>
-              <a:rPr lang="fr-FR" sz="3100" dirty="0">
-                <a:solidFill>
-                  <a:schemeClr val="tx1">
-                    <a:lumMod val="75000"/>
-                    <a:lumOff val="25000"/>
-                  </a:schemeClr>
-                </a:solidFill>
-                <a:latin typeface="+mn-lt"/>
-                <a:ea typeface="+mn-ea"/>
-                <a:cs typeface="+mn-cs"/>
-              </a:rPr>
-            </a:br>
-            <a:br>
-              <a:rPr lang="fr-FR" sz="3100" dirty="0">
-                <a:solidFill>
-                  <a:schemeClr val="tx1">
-                    <a:lumMod val="75000"/>
-                    <a:lumOff val="25000"/>
-                  </a:schemeClr>
-                </a:solidFill>
-                <a:latin typeface="+mn-lt"/>
-                <a:ea typeface="+mn-ea"/>
-                <a:cs typeface="+mn-cs"/>
-              </a:rPr>
-            </a:br>
-            <a:br>
-              <a:rPr lang="fr-FR" sz="3100" dirty="0">
-                <a:solidFill>
-                  <a:schemeClr val="tx1">
-                    <a:lumMod val="75000"/>
-                    <a:lumOff val="25000"/>
-                  </a:schemeClr>
-                </a:solidFill>
-                <a:latin typeface="+mn-lt"/>
-                <a:ea typeface="+mn-ea"/>
-                <a:cs typeface="+mn-cs"/>
-              </a:rPr>
-            </a:br>
-            <a:br>
-              <a:rPr lang="fr-FR" sz="3100" dirty="0">
-                <a:solidFill>
-                  <a:schemeClr val="tx1">
-                    <a:lumMod val="75000"/>
-                    <a:lumOff val="25000"/>
-                  </a:schemeClr>
-                </a:solidFill>
-                <a:latin typeface="+mn-lt"/>
-                <a:ea typeface="+mn-ea"/>
-                <a:cs typeface="+mn-cs"/>
-              </a:rPr>
-            </a:br>
-            <a:endParaRPr lang="fr-FR" sz="2000" dirty="0">
-              <a:solidFill>
-                <a:schemeClr val="tx1">
-                  <a:lumMod val="75000"/>
-                  <a:lumOff val="25000"/>
-                </a:schemeClr>
-              </a:solidFill>
-              <a:latin typeface="+mn-lt"/>
-              <a:ea typeface="+mn-ea"/>
-              <a:cs typeface="+mn-cs"/>
-            </a:endParaRPr>
-          </a:p>
-        </p:txBody>
-      </p:sp>
-    </p:spTree>
-    <p:extLst>
-      <p:ext uri="{BB962C8B-B14F-4D97-AF65-F5344CB8AC3E}">
-        <p14:creationId xmlns:p14="http://schemas.microsoft.com/office/powerpoint/2010/main" val="3660484949"/>
-      </p:ext>
-    </p:extLst>
-  </p:cSld>
-  <p:clrMapOvr>
-    <a:masterClrMapping/>
-  </p:clrMapOvr>
-</p:sld>
-</file>
-
 <file path=ppt/slides/slide8.xml><?xml version="1.0" encoding="utf-8"?>
 <p:sld xmlns:a="http://schemas.openxmlformats.org/drawingml/2006/main" xmlns:r="http://schemas.openxmlformats.org/officeDocument/2006/relationships" xmlns:p="http://schemas.openxmlformats.org/presentationml/2006/main">
   <p:cSld>
@@ -9012,13 +9275,13 @@
         </p:nvSpPr>
         <p:spPr>
           <a:xfrm>
-            <a:off x="677334" y="1465729"/>
-            <a:ext cx="8596668" cy="4782671"/>
+            <a:off x="524934" y="1454728"/>
+            <a:ext cx="9214812" cy="5638800"/>
           </a:xfrm>
         </p:spPr>
         <p:txBody>
           <a:bodyPr>
-            <a:normAutofit fontScale="92500" lnSpcReduction="20000"/>
+            <a:normAutofit/>
           </a:bodyPr>
           <a:lstStyle/>
           <a:p>
@@ -9026,7 +9289,32 @@
               <a:buNone/>
             </a:pPr>
             <a:r>
-              <a:rPr lang="fr-FR" sz="1800" dirty="0">
+              <a:rPr lang="fr-FR" sz="2400" dirty="0"/>
+              <a:t>Aujourd’hui tout voyageur, indépendant ou pas, consacre beaucoup de temps à la recherche en ligne des informations sur le pays ou la ville qu’il souhaite visiter.</a:t>
+            </a:r>
+          </a:p>
+          <a:p>
+            <a:pPr marL="0" indent="0" algn="just">
+              <a:buNone/>
+            </a:pPr>
+            <a:endParaRPr lang="fr-FR" sz="2400" dirty="0">
+              <a:solidFill>
+                <a:schemeClr val="tx1">
+                  <a:lumMod val="75000"/>
+                  <a:lumOff val="25000"/>
+                </a:schemeClr>
+              </a:solidFill>
+              <a:latin typeface="+mn-lt"/>
+              <a:ea typeface="+mn-ea"/>
+              <a:cs typeface="+mn-cs"/>
+            </a:endParaRPr>
+          </a:p>
+          <a:p>
+            <a:pPr marL="0" indent="0" algn="just">
+              <a:buNone/>
+            </a:pPr>
+            <a:r>
+              <a:rPr lang="fr-FR" sz="2400" dirty="0">
                 <a:solidFill>
                   <a:schemeClr val="tx1">
                     <a:lumMod val="75000"/>
@@ -9037,7 +9325,7 @@
                 <a:ea typeface="+mn-ea"/>
                 <a:cs typeface="+mn-cs"/>
               </a:rPr>
-              <a:t>Les blogs que l’on trouve ne sont pas interactifs, on peut y lire des récits intéressants mais on a rarement la possibilité d’y contribuer et le plus souvent ce n’est qu’avec des commentaires. </a:t>
+              <a:t>Les utilisateurs de ce site peuvent repérer des informations rapidement et simplement. </a:t>
             </a:r>
           </a:p>
           <a:p>
@@ -9045,7 +9333,7 @@
               <a:buNone/>
             </a:pPr>
             <a:r>
-              <a:rPr lang="fr-FR" sz="1800" dirty="0">
+              <a:rPr lang="fr-FR" sz="2400" dirty="0">
                 <a:solidFill>
                   <a:schemeClr val="tx1">
                     <a:lumMod val="75000"/>
@@ -9056,74 +9344,23 @@
                 <a:ea typeface="+mn-ea"/>
                 <a:cs typeface="+mn-cs"/>
               </a:rPr>
-              <a:t>Au sujet des voyages, on ne peut contribuer avec son propr</a:t>
-            </a:r>
-            <a:r>
-              <a:rPr lang="fr-FR" dirty="0"/>
-              <a:t>e contenu que sur des plateformes qui renvoient à la réservation d’hôtels ou d’attractions. </a:t>
+              <a:t>Au même temps, ils ont enfin l’opportunité de créer son propre contenu et donner des informations utiles à d’autre voyageurs. Cela sans les contraintes de devoir entretenir un blog personnel. </a:t>
             </a:r>
           </a:p>
           <a:p>
             <a:pPr marL="0" indent="0" algn="just">
               <a:buNone/>
             </a:pPr>
-            <a:r>
-              <a:rPr lang="fr-FR" sz="1800" dirty="0">
-                <a:solidFill>
-                  <a:schemeClr val="tx1">
-                    <a:lumMod val="75000"/>
-                    <a:lumOff val="25000"/>
-                  </a:schemeClr>
-                </a:solidFill>
-                <a:latin typeface="+mn-lt"/>
-                <a:ea typeface="+mn-ea"/>
-                <a:cs typeface="+mn-cs"/>
-              </a:rPr>
-              <a:t>L’objectif de ce projet est que l’utilisateur ait enfin l’opportunité de créer son propre contenu et donner des informations utiles à d’autre voyageurs. Cela sans les contraintes de devoir entretenir un blog personnel. </a:t>
-            </a:r>
+            <a:endParaRPr lang="fr-FR" sz="2400" dirty="0"/>
           </a:p>
           <a:p>
             <a:pPr marL="0" indent="0" algn="just">
               <a:buNone/>
             </a:pPr>
             <a:r>
-              <a:rPr lang="fr-FR" sz="1800" dirty="0">
-                <a:solidFill>
-                  <a:schemeClr val="tx1">
-                    <a:lumMod val="75000"/>
-                    <a:lumOff val="25000"/>
-                  </a:schemeClr>
-                </a:solidFill>
-                <a:latin typeface="+mn-lt"/>
-                <a:ea typeface="+mn-ea"/>
-                <a:cs typeface="+mn-cs"/>
-              </a:rPr>
-              <a:t>Les utilisateurs qui sont visiteurs du site, sans pour autant y contribuer activement, peuvent  repérer des informations rapidement et simplement. </a:t>
-            </a:r>
-          </a:p>
-          <a:p>
-            <a:pPr marL="0" indent="0" algn="just">
-              <a:buNone/>
-            </a:pPr>
-            <a:r>
-              <a:rPr lang="fr-FR" dirty="0"/>
-              <a:t>Cette facilité à retrouver des renseignements aspire également à donner envie de voyager autrement. Les personnes sont souvent freinés par la peur de l’inconnu, et choisissent alors des vacances trop structurées au détriment d’une majeure liberté et exposition aux cultures locales. </a:t>
-            </a:r>
-          </a:p>
-          <a:p>
-            <a:pPr marL="0" indent="0" algn="just">
-              <a:buNone/>
-            </a:pPr>
-            <a:r>
-              <a:rPr lang="fr-FR" dirty="0"/>
-              <a:t>Ce blog, avec plusieurs témoignages d’aventures hors le cadre « protégé » de voyages d’agence, devient alors promoteur d’une façon plus indépendante et enrichissante de voyager. Ceux qui jusqu’ici n’ont jamais voyagé sans s’appuyer sur le support de l’agence, pourraient avoir plusieurs témoignages que si, c’est possible ! Et qu’on en revient avec d’incroyables aventures à raconter. </a:t>
-            </a:r>
-          </a:p>
-          <a:p>
-            <a:pPr marL="0" indent="0" algn="just">
-              <a:buNone/>
-            </a:pPr>
-            <a:endParaRPr lang="fr-FR" dirty="0"/>
+              <a:rPr lang="fr-FR" sz="2400" dirty="0"/>
+              <a:t>Cette facilité à retrouver des renseignements aspire également à donner envie de voyager autrement. </a:t>
+            </a:r>
           </a:p>
         </p:txBody>
       </p:sp>
@@ -9159,46 +9396,42 @@
       </p:grpSpPr>
       <p:sp>
         <p:nvSpPr>
-          <p:cNvPr id="4" name="Espace réservé du contenu 2">
+          <p:cNvPr id="2" name="Titre 1">
             <a:extLst>
               <a:ext uri="{FF2B5EF4-FFF2-40B4-BE49-F238E27FC236}">
-                <a16:creationId xmlns:a16="http://schemas.microsoft.com/office/drawing/2014/main" id="{41BCEEBB-5F90-4959-8B27-E7F1A726E8F5}"/>
+                <a16:creationId xmlns:a16="http://schemas.microsoft.com/office/drawing/2014/main" id="{36313FA3-3C04-4560-95C4-8E5592E141F9}"/>
               </a:ext>
             </a:extLst>
           </p:cNvPr>
-          <p:cNvSpPr txBox="1">
-            <a:spLocks/>
-          </p:cNvSpPr>
-          <p:nvPr/>
+          <p:cNvSpPr>
+            <a:spLocks noGrp="1"/>
+          </p:cNvSpPr>
+          <p:nvPr>
+            <p:ph type="title"/>
+          </p:nvPr>
         </p:nvSpPr>
         <p:spPr>
           <a:xfrm>
-            <a:off x="636993" y="1250577"/>
-            <a:ext cx="10524065" cy="6225988"/>
+            <a:off x="663887" y="676834"/>
+            <a:ext cx="9206254" cy="4903695"/>
           </a:xfrm>
-          <a:prstGeom prst="rect">
-            <a:avLst/>
-          </a:prstGeom>
         </p:spPr>
         <p:txBody>
-          <a:bodyPr vert="horz" lIns="91440" tIns="45720" rIns="91440" bIns="45720" rtlCol="0">
-            <a:normAutofit fontScale="32500" lnSpcReduction="20000"/>
+          <a:bodyPr>
+            <a:normAutofit fontScale="90000"/>
           </a:bodyPr>
-          <a:lstStyle>
-            <a:lvl1pPr marL="342900" indent="-342900" algn="l" defTabSz="457200" rtl="0" eaLnBrk="1" latinLnBrk="0" hangingPunct="1">
-              <a:spcBef>
-                <a:spcPts val="1000"/>
-              </a:spcBef>
-              <a:spcAft>
-                <a:spcPts val="0"/>
-              </a:spcAft>
-              <a:buClr>
-                <a:schemeClr val="accent1"/>
-              </a:buClr>
-              <a:buSzPct val="80000"/>
-              <a:buFont typeface="Wingdings 3" charset="2"/>
-              <a:buChar char=""/>
-              <a:defRPr sz="1800" kern="1200">
+          <a:lstStyle/>
+          <a:p>
+            <a:pPr algn="ctr"/>
+            <a:r>
+              <a:rPr lang="fr-FR" dirty="0"/>
+              <a:t>Expression des besoins</a:t>
+            </a:r>
+            <a:br>
+              <a:rPr lang="fr-FR" dirty="0"/>
+            </a:br>
+            <a:br>
+              <a:rPr lang="fr-FR" sz="2000" dirty="0">
                 <a:solidFill>
                   <a:schemeClr val="tx1">
                     <a:lumMod val="75000"/>
@@ -9208,22 +9441,10 @@
                 <a:latin typeface="+mn-lt"/>
                 <a:ea typeface="+mn-ea"/>
                 <a:cs typeface="+mn-cs"/>
-              </a:defRPr>
-            </a:lvl1pPr>
-            <a:lvl2pPr marL="742950" indent="-285750" algn="l" defTabSz="457200" rtl="0" eaLnBrk="1" latinLnBrk="0" hangingPunct="1">
-              <a:spcBef>
-                <a:spcPts val="1000"/>
-              </a:spcBef>
-              <a:spcAft>
-                <a:spcPts val="0"/>
-              </a:spcAft>
-              <a:buClr>
-                <a:schemeClr val="accent1"/>
-              </a:buClr>
-              <a:buSzPct val="80000"/>
-              <a:buFont typeface="Wingdings 3" charset="2"/>
-              <a:buChar char=""/>
-              <a:defRPr sz="1600" kern="1200">
+              </a:rPr>
+            </a:br>
+            <a:r>
+              <a:rPr lang="fr-FR" sz="3100" dirty="0">
                 <a:solidFill>
                   <a:schemeClr val="tx1">
                     <a:lumMod val="75000"/>
@@ -9233,22 +9454,11 @@
                 <a:latin typeface="+mn-lt"/>
                 <a:ea typeface="+mn-ea"/>
                 <a:cs typeface="+mn-cs"/>
-              </a:defRPr>
-            </a:lvl2pPr>
-            <a:lvl3pPr marL="1143000" indent="-228600" algn="l" defTabSz="457200" rtl="0" eaLnBrk="1" latinLnBrk="0" hangingPunct="1">
-              <a:spcBef>
-                <a:spcPts val="1000"/>
-              </a:spcBef>
-              <a:spcAft>
-                <a:spcPts val="0"/>
-              </a:spcAft>
-              <a:buClr>
-                <a:schemeClr val="accent1"/>
-              </a:buClr>
-              <a:buSzPct val="80000"/>
-              <a:buFont typeface="Wingdings 3" charset="2"/>
-              <a:buChar char=""/>
-              <a:defRPr sz="1400" kern="1200">
+              </a:rPr>
+              <a:t>Les utilisateurs du site s’y rendent pour </a:t>
+            </a:r>
+            <a:r>
+              <a:rPr lang="fr-FR" sz="3100" b="1" dirty="0">
                 <a:solidFill>
                   <a:schemeClr val="tx1">
                     <a:lumMod val="75000"/>
@@ -9258,22 +9468,11 @@
                 <a:latin typeface="+mn-lt"/>
                 <a:ea typeface="+mn-ea"/>
                 <a:cs typeface="+mn-cs"/>
-              </a:defRPr>
-            </a:lvl3pPr>
-            <a:lvl4pPr marL="1600200" indent="-228600" algn="l" defTabSz="457200" rtl="0" eaLnBrk="1" latinLnBrk="0" hangingPunct="1">
-              <a:spcBef>
-                <a:spcPts val="1000"/>
-              </a:spcBef>
-              <a:spcAft>
-                <a:spcPts val="0"/>
-              </a:spcAft>
-              <a:buClr>
-                <a:schemeClr val="accent1"/>
-              </a:buClr>
-              <a:buSzPct val="80000"/>
-              <a:buFont typeface="Wingdings 3" charset="2"/>
-              <a:buChar char=""/>
-              <a:defRPr sz="1200" kern="1200">
+              </a:rPr>
+              <a:t>trouver</a:t>
+            </a:r>
+            <a:r>
+              <a:rPr lang="fr-FR" sz="3100" dirty="0">
                 <a:solidFill>
                   <a:schemeClr val="tx1">
                     <a:lumMod val="75000"/>
@@ -9283,22 +9482,11 @@
                 <a:latin typeface="+mn-lt"/>
                 <a:ea typeface="+mn-ea"/>
                 <a:cs typeface="+mn-cs"/>
-              </a:defRPr>
-            </a:lvl4pPr>
-            <a:lvl5pPr marL="2057400" indent="-228600" algn="l" defTabSz="457200" rtl="0" eaLnBrk="1" latinLnBrk="0" hangingPunct="1">
-              <a:spcBef>
-                <a:spcPts val="1000"/>
-              </a:spcBef>
-              <a:spcAft>
-                <a:spcPts val="0"/>
-              </a:spcAft>
-              <a:buClr>
-                <a:schemeClr val="accent1"/>
-              </a:buClr>
-              <a:buSzPct val="80000"/>
-              <a:buFont typeface="Wingdings 3" charset="2"/>
-              <a:buChar char=""/>
-              <a:defRPr sz="1200" kern="1200">
+              </a:rPr>
+              <a:t> ou </a:t>
+            </a:r>
+            <a:r>
+              <a:rPr lang="fr-FR" sz="3100" b="1" dirty="0">
                 <a:solidFill>
                   <a:schemeClr val="tx1">
                     <a:lumMod val="75000"/>
@@ -9308,22 +9496,11 @@
                 <a:latin typeface="+mn-lt"/>
                 <a:ea typeface="+mn-ea"/>
                 <a:cs typeface="+mn-cs"/>
-              </a:defRPr>
-            </a:lvl5pPr>
-            <a:lvl6pPr marL="2514600" indent="-228600" algn="l" defTabSz="457200" rtl="0" eaLnBrk="1" latinLnBrk="0" hangingPunct="1">
-              <a:spcBef>
-                <a:spcPts val="1000"/>
-              </a:spcBef>
-              <a:spcAft>
-                <a:spcPts val="0"/>
-              </a:spcAft>
-              <a:buClr>
-                <a:schemeClr val="accent1"/>
-              </a:buClr>
-              <a:buSzPct val="80000"/>
-              <a:buFont typeface="Wingdings 3" charset="2"/>
-              <a:buChar char=""/>
-              <a:defRPr sz="1200" kern="1200">
+              </a:rPr>
+              <a:t>partager des informations</a:t>
+            </a:r>
+            <a:r>
+              <a:rPr lang="fr-FR" sz="3100" dirty="0">
                 <a:solidFill>
                   <a:schemeClr val="tx1">
                     <a:lumMod val="75000"/>
@@ -9333,22 +9510,11 @@
                 <a:latin typeface="+mn-lt"/>
                 <a:ea typeface="+mn-ea"/>
                 <a:cs typeface="+mn-cs"/>
-              </a:defRPr>
-            </a:lvl6pPr>
-            <a:lvl7pPr marL="2971800" indent="-228600" algn="l" defTabSz="457200" rtl="0" eaLnBrk="1" latinLnBrk="0" hangingPunct="1">
-              <a:spcBef>
-                <a:spcPts val="1000"/>
-              </a:spcBef>
-              <a:spcAft>
-                <a:spcPts val="0"/>
-              </a:spcAft>
-              <a:buClr>
-                <a:schemeClr val="accent1"/>
-              </a:buClr>
-              <a:buSzPct val="80000"/>
-              <a:buFont typeface="Wingdings 3" charset="2"/>
-              <a:buChar char=""/>
-              <a:defRPr sz="1200" kern="1200">
+              </a:rPr>
+              <a:t>, comme des vols moins chers ou des itinéraires ou hôtels/auberges moins coûteux. </a:t>
+            </a:r>
+            <a:br>
+              <a:rPr lang="fr-FR" sz="3100" dirty="0">
                 <a:solidFill>
                   <a:schemeClr val="tx1">
                     <a:lumMod val="75000"/>
@@ -9358,22 +9524,10 @@
                 <a:latin typeface="+mn-lt"/>
                 <a:ea typeface="+mn-ea"/>
                 <a:cs typeface="+mn-cs"/>
-              </a:defRPr>
-            </a:lvl7pPr>
-            <a:lvl8pPr marL="3429000" indent="-228600" algn="l" defTabSz="457200" rtl="0" eaLnBrk="1" latinLnBrk="0" hangingPunct="1">
-              <a:spcBef>
-                <a:spcPts val="1000"/>
-              </a:spcBef>
-              <a:spcAft>
-                <a:spcPts val="0"/>
-              </a:spcAft>
-              <a:buClr>
-                <a:schemeClr val="accent1"/>
-              </a:buClr>
-              <a:buSzPct val="80000"/>
-              <a:buFont typeface="Wingdings 3" charset="2"/>
-              <a:buChar char=""/>
-              <a:defRPr sz="1200" kern="1200">
+              </a:rPr>
+            </a:br>
+            <a:r>
+              <a:rPr lang="fr-FR" sz="3100" dirty="0">
                 <a:solidFill>
                   <a:schemeClr val="tx1">
                     <a:lumMod val="75000"/>
@@ -9383,22 +9537,11 @@
                 <a:latin typeface="+mn-lt"/>
                 <a:ea typeface="+mn-ea"/>
                 <a:cs typeface="+mn-cs"/>
-              </a:defRPr>
-            </a:lvl8pPr>
-            <a:lvl9pPr marL="3886200" indent="-228600" algn="l" defTabSz="457200" rtl="0" eaLnBrk="1" latinLnBrk="0" hangingPunct="1">
-              <a:spcBef>
-                <a:spcPts val="1000"/>
-              </a:spcBef>
-              <a:spcAft>
-                <a:spcPts val="0"/>
-              </a:spcAft>
-              <a:buClr>
-                <a:schemeClr val="accent1"/>
-              </a:buClr>
-              <a:buSzPct val="80000"/>
-              <a:buFont typeface="Wingdings 3" charset="2"/>
-              <a:buChar char=""/>
-              <a:defRPr sz="1200" kern="1200">
+              </a:rPr>
+              <a:t>Les fonctionnalités primordiales doivent cependant pointer sur une recherche simple et rapide ainsi qu’une manière claire pour créer des contenus, soient ils articles, commentaires ou photos.</a:t>
+            </a:r>
+            <a:br>
+              <a:rPr lang="fr-FR" sz="3100" dirty="0">
                 <a:solidFill>
                   <a:schemeClr val="tx1">
                     <a:lumMod val="75000"/>
@@ -9408,186 +9551,65 @@
                 <a:latin typeface="+mn-lt"/>
                 <a:ea typeface="+mn-ea"/>
                 <a:cs typeface="+mn-cs"/>
-              </a:defRPr>
-            </a:lvl9pPr>
-          </a:lstStyle>
-          <a:p>
-            <a:pPr marL="0" indent="0">
-              <a:buFont typeface="Wingdings 3" charset="2"/>
-              <a:buNone/>
-            </a:pPr>
-            <a:r>
-              <a:rPr lang="fr-FR" sz="11200" dirty="0"/>
-              <a:t>BESOINS </a:t>
-            </a:r>
-            <a:r>
-              <a:rPr lang="fr-FR" sz="11200" dirty="0">
-                <a:solidFill>
-                  <a:schemeClr val="tx1"/>
-                </a:solidFill>
               </a:rPr>
-              <a:t>FONCTIONNELS (</a:t>
-            </a:r>
-            <a:r>
-              <a:rPr lang="fr-FR" sz="11200" b="1" i="0" dirty="0" err="1">
-                <a:solidFill>
-                  <a:schemeClr val="tx1"/>
-                </a:solidFill>
-                <a:effectLst/>
-                <a:latin typeface="-apple-system"/>
+            </a:br>
+            <a:br>
+              <a:rPr lang="fr-FR" sz="3100" dirty="0">
+                <a:solidFill>
+                  <a:schemeClr val="tx1">
+                    <a:lumMod val="75000"/>
+                    <a:lumOff val="25000"/>
+                  </a:schemeClr>
+                </a:solidFill>
+                <a:latin typeface="+mn-lt"/>
+                <a:ea typeface="+mn-ea"/>
+                <a:cs typeface="+mn-cs"/>
               </a:rPr>
-              <a:t>functional</a:t>
-            </a:r>
-            <a:r>
-              <a:rPr lang="fr-FR" sz="11200" b="1" i="0" dirty="0">
-                <a:solidFill>
-                  <a:schemeClr val="tx1"/>
-                </a:solidFill>
-                <a:effectLst/>
-                <a:latin typeface="-apple-system"/>
+            </a:br>
+            <a:br>
+              <a:rPr lang="fr-FR" sz="3100" dirty="0">
+                <a:solidFill>
+                  <a:schemeClr val="tx1">
+                    <a:lumMod val="75000"/>
+                    <a:lumOff val="25000"/>
+                  </a:schemeClr>
+                </a:solidFill>
+                <a:latin typeface="+mn-lt"/>
+                <a:ea typeface="+mn-ea"/>
+                <a:cs typeface="+mn-cs"/>
               </a:rPr>
-              <a:t> </a:t>
-            </a:r>
-            <a:r>
-              <a:rPr lang="fr-FR" sz="11200" b="1" i="0" dirty="0" err="1">
-                <a:solidFill>
-                  <a:schemeClr val="tx1"/>
-                </a:solidFill>
-                <a:effectLst/>
-                <a:latin typeface="-apple-system"/>
+            </a:br>
+            <a:br>
+              <a:rPr lang="fr-FR" sz="3100" dirty="0">
+                <a:solidFill>
+                  <a:schemeClr val="tx1">
+                    <a:lumMod val="75000"/>
+                    <a:lumOff val="25000"/>
+                  </a:schemeClr>
+                </a:solidFill>
+                <a:latin typeface="+mn-lt"/>
+                <a:ea typeface="+mn-ea"/>
+                <a:cs typeface="+mn-cs"/>
               </a:rPr>
-              <a:t>requirements</a:t>
-            </a:r>
-            <a:r>
-              <a:rPr lang="fr-FR" sz="11200" dirty="0">
-                <a:solidFill>
-                  <a:schemeClr val="tx1"/>
-                </a:solidFill>
-              </a:rPr>
-              <a:t>):</a:t>
-            </a:r>
-          </a:p>
-          <a:p>
-            <a:endParaRPr lang="fr-FR" sz="7200" dirty="0"/>
-          </a:p>
-          <a:p>
-            <a:r>
-              <a:rPr lang="fr-FR" sz="7200" dirty="0"/>
-              <a:t>Sélection des contenus par rapport au sujet clé recherché : </a:t>
-            </a:r>
-          </a:p>
-          <a:p>
-            <a:pPr marL="1943100" lvl="2" indent="-1143000">
-              <a:buFont typeface="+mj-lt"/>
-              <a:buAutoNum type="arabicPeriod"/>
-            </a:pPr>
-            <a:r>
-              <a:rPr lang="fr-FR" sz="6800" dirty="0"/>
-              <a:t>=&gt; recherche générale par endroit (informations obligatoires « * » : ville, pays) ;</a:t>
-            </a:r>
-          </a:p>
-          <a:p>
-            <a:pPr marL="1943100" lvl="2" indent="-1143000">
-              <a:buFont typeface="+mj-lt"/>
-              <a:buAutoNum type="arabicPeriod"/>
-            </a:pPr>
-            <a:r>
-              <a:rPr lang="fr-FR" sz="6800" dirty="0"/>
-              <a:t>=&gt; recherche avancée (informations obligatoires « * » : ville, pays + activité spécifique).</a:t>
-            </a:r>
-            <a:endParaRPr lang="fr-FR" sz="7200" dirty="0"/>
-          </a:p>
-          <a:p>
-            <a:r>
-              <a:rPr lang="fr-FR" sz="7200" dirty="0"/>
-              <a:t>Classification des contenus par nombre des visualisations.</a:t>
-            </a:r>
-          </a:p>
-          <a:p>
-            <a:r>
-              <a:rPr lang="fr-FR" sz="7200" dirty="0"/>
-              <a:t>Traduction en anglais des contenus. </a:t>
-            </a:r>
-          </a:p>
-          <a:p>
-            <a:r>
-              <a:rPr lang="fr-FR" sz="7200" dirty="0"/>
-              <a:t>Inscription / </a:t>
-            </a:r>
-            <a:r>
-              <a:rPr lang="fr-FR" sz="7200" dirty="0" err="1"/>
-              <a:t>signup</a:t>
-            </a:r>
-            <a:r>
-              <a:rPr lang="fr-FR" sz="7200" dirty="0"/>
-              <a:t> + Connection / login.</a:t>
-            </a:r>
-          </a:p>
-          <a:p>
-            <a:r>
-              <a:rPr lang="fr-FR" sz="7200" dirty="0"/>
-              <a:t>Création, mise à jour, suppression des contenus (texte, titre, photos…). </a:t>
-            </a:r>
-          </a:p>
-          <a:p>
-            <a:r>
-              <a:rPr lang="fr-FR" sz="7200" dirty="0"/>
-              <a:t>Phase de visualisation du contenu (non encore publié).</a:t>
-            </a:r>
-          </a:p>
-          <a:p>
-            <a:r>
-              <a:rPr lang="fr-FR" sz="7200" dirty="0"/>
-              <a:t>Mise en ligne du contenu. </a:t>
-            </a:r>
-          </a:p>
-          <a:p>
-            <a:pPr>
-              <a:buFontTx/>
-              <a:buChar char="-"/>
-            </a:pPr>
-            <a:endParaRPr lang="fr-FR" sz="7200" dirty="0"/>
-          </a:p>
-          <a:p>
-            <a:pPr>
-              <a:buFontTx/>
-              <a:buChar char="-"/>
-            </a:pPr>
-            <a:endParaRPr lang="fr-FR" sz="7200" dirty="0"/>
-          </a:p>
-          <a:p>
-            <a:pPr>
-              <a:buFontTx/>
-              <a:buChar char="-"/>
-            </a:pPr>
-            <a:endParaRPr lang="fr-FR" dirty="0"/>
-          </a:p>
-          <a:p>
-            <a:pPr>
-              <a:buFontTx/>
-              <a:buChar char="-"/>
-            </a:pPr>
-            <a:endParaRPr lang="fr-FR" dirty="0"/>
-          </a:p>
-          <a:p>
-            <a:pPr>
-              <a:buFontTx/>
-              <a:buChar char="-"/>
-            </a:pPr>
-            <a:endParaRPr lang="fr-FR" dirty="0"/>
-          </a:p>
-          <a:p>
-            <a:endParaRPr lang="fr-FR" dirty="0"/>
-          </a:p>
-          <a:p>
-            <a:endParaRPr lang="fr-FR" dirty="0"/>
+            </a:br>
+            <a:endParaRPr lang="fr-FR" sz="2000" dirty="0">
+              <a:solidFill>
+                <a:schemeClr val="tx1">
+                  <a:lumMod val="75000"/>
+                  <a:lumOff val="25000"/>
+                </a:schemeClr>
+              </a:solidFill>
+              <a:latin typeface="+mn-lt"/>
+              <a:ea typeface="+mn-ea"/>
+              <a:cs typeface="+mn-cs"/>
+            </a:endParaRPr>
           </a:p>
         </p:txBody>
       </p:sp>
     </p:spTree>
     <p:extLst>
       <p:ext uri="{BB962C8B-B14F-4D97-AF65-F5344CB8AC3E}">
-        <p14:creationId xmlns:p14="http://schemas.microsoft.com/office/powerpoint/2010/main" val="695806723"/>
+        <p14:creationId xmlns:p14="http://schemas.microsoft.com/office/powerpoint/2010/main" val="3660484949"/>
       </p:ext>
     </p:extLst>
   </p:cSld>
